--- a/SE2021-G013-详细设计报告/SE2021-G013-详细设计说明.pptx
+++ b/SE2021-G013-详细设计报告/SE2021-G013-详细设计说明.pptx
@@ -11,48 +11,50 @@
     <p:sldId id="275" r:id="rId5"/>
     <p:sldId id="263" r:id="rId6"/>
     <p:sldId id="271" r:id="rId7"/>
-    <p:sldId id="270" r:id="rId8"/>
-    <p:sldId id="272" r:id="rId9"/>
+    <p:sldId id="276" r:id="rId8"/>
+    <p:sldId id="270" r:id="rId9"/>
     <p:sldId id="274" r:id="rId10"/>
     <p:sldId id="273" r:id="rId11"/>
-    <p:sldId id="267" r:id="rId12"/>
-    <p:sldId id="264" r:id="rId13"/>
-    <p:sldId id="269" r:id="rId14"/>
-    <p:sldId id="265" r:id="rId15"/>
-    <p:sldId id="268" r:id="rId16"/>
-    <p:sldId id="259" r:id="rId17"/>
+    <p:sldId id="278" r:id="rId12"/>
+    <p:sldId id="277" r:id="rId13"/>
+    <p:sldId id="267" r:id="rId14"/>
+    <p:sldId id="264" r:id="rId15"/>
+    <p:sldId id="269" r:id="rId16"/>
+    <p:sldId id="265" r:id="rId17"/>
+    <p:sldId id="268" r:id="rId18"/>
+    <p:sldId id="259" r:id="rId19"/>
   </p:sldIdLst>
   <p:sldSz cx="12192000" cy="6858000"/>
   <p:notesSz cx="6858000" cy="9144000"/>
   <p:embeddedFontLst>
     <p:embeddedFont>
       <p:font typeface="方正清刻本悦宋简体" panose="02010600030101010101" charset="-122"/>
-      <p:regular r:id="rId18"/>
+      <p:regular r:id="rId20"/>
     </p:embeddedFont>
     <p:embeddedFont>
       <p:font typeface="Century Gothic" panose="020B0502020202020204" pitchFamily="34" charset="0"/>
-      <p:regular r:id="rId19"/>
-      <p:bold r:id="rId20"/>
-      <p:italic r:id="rId21"/>
-      <p:boldItalic r:id="rId22"/>
+      <p:regular r:id="rId21"/>
+      <p:bold r:id="rId22"/>
+      <p:italic r:id="rId23"/>
+      <p:boldItalic r:id="rId24"/>
     </p:embeddedFont>
     <p:embeddedFont>
       <p:font typeface="Tahoma" panose="020B0604030504040204" pitchFamily="34" charset="0"/>
-      <p:regular r:id="rId23"/>
-      <p:bold r:id="rId24"/>
-    </p:embeddedFont>
-    <p:embeddedFont>
-      <p:font typeface="等线" panose="02010600030101010101" pitchFamily="2" charset="-122"/>
       <p:regular r:id="rId25"/>
       <p:bold r:id="rId26"/>
     </p:embeddedFont>
     <p:embeddedFont>
+      <p:font typeface="等线" panose="02010600030101010101" pitchFamily="2" charset="-122"/>
+      <p:regular r:id="rId27"/>
+      <p:bold r:id="rId28"/>
+    </p:embeddedFont>
+    <p:embeddedFont>
       <p:font typeface="等线 Light" panose="02010600030101010101" pitchFamily="2" charset="-122"/>
-      <p:regular r:id="rId27"/>
+      <p:regular r:id="rId29"/>
     </p:embeddedFont>
     <p:embeddedFont>
       <p:font typeface="幼圆" panose="02010509060101010101" pitchFamily="49" charset="-122"/>
-      <p:regular r:id="rId28"/>
+      <p:regular r:id="rId30"/>
     </p:embeddedFont>
   </p:embeddedFontLst>
   <p:defaultTextStyle>
@@ -356,7 +358,7 @@
           <a:p>
             <a:fld id="{E5292F4A-F850-47B0-8F93-1E9142FAF083}" type="datetimeFigureOut">
               <a:rPr lang="zh-CN" altLang="en-US" smtClean="0"/>
-              <a:t>2021/11/16</a:t>
+              <a:t>2021/11/24</a:t>
             </a:fld>
             <a:endParaRPr lang="zh-CN" altLang="en-US"/>
           </a:p>
@@ -564,7 +566,7 @@
           <a:p>
             <a:fld id="{E5292F4A-F850-47B0-8F93-1E9142FAF083}" type="datetimeFigureOut">
               <a:rPr lang="zh-CN" altLang="en-US" smtClean="0"/>
-              <a:t>2021/11/16</a:t>
+              <a:t>2021/11/24</a:t>
             </a:fld>
             <a:endParaRPr lang="zh-CN" altLang="en-US"/>
           </a:p>
@@ -1116,7 +1118,7 @@
           <a:p>
             <a:fld id="{E5292F4A-F850-47B0-8F93-1E9142FAF083}" type="datetimeFigureOut">
               <a:rPr lang="zh-CN" altLang="en-US" smtClean="0"/>
-              <a:t>2021/11/16</a:t>
+              <a:t>2021/11/24</a:t>
             </a:fld>
             <a:endParaRPr lang="zh-CN" altLang="en-US"/>
           </a:p>
@@ -1272,7 +1274,7 @@
           <a:p>
             <a:fld id="{E5292F4A-F850-47B0-8F93-1E9142FAF083}" type="datetimeFigureOut">
               <a:rPr lang="zh-CN" altLang="en-US" smtClean="0"/>
-              <a:t>2021/11/16</a:t>
+              <a:t>2021/11/24</a:t>
             </a:fld>
             <a:endParaRPr lang="zh-CN" altLang="en-US"/>
           </a:p>
@@ -1778,7 +1780,7 @@
           <a:p>
             <a:fld id="{E5292F4A-F850-47B0-8F93-1E9142FAF083}" type="datetimeFigureOut">
               <a:rPr lang="zh-CN" altLang="en-US" smtClean="0"/>
-              <a:t>2021/11/16</a:t>
+              <a:t>2021/11/24</a:t>
             </a:fld>
             <a:endParaRPr lang="zh-CN" altLang="en-US"/>
           </a:p>
@@ -2066,7 +2068,7 @@
           <a:p>
             <a:fld id="{E5292F4A-F850-47B0-8F93-1E9142FAF083}" type="datetimeFigureOut">
               <a:rPr lang="zh-CN" altLang="en-US" smtClean="0"/>
-              <a:t>2021/11/16</a:t>
+              <a:t>2021/11/24</a:t>
             </a:fld>
             <a:endParaRPr lang="zh-CN" altLang="en-US"/>
           </a:p>
@@ -2307,7 +2309,7 @@
           <a:p>
             <a:fld id="{E5292F4A-F850-47B0-8F93-1E9142FAF083}" type="datetimeFigureOut">
               <a:rPr lang="zh-CN" altLang="en-US" smtClean="0"/>
-              <a:t>2021/11/16</a:t>
+              <a:t>2021/11/24</a:t>
             </a:fld>
             <a:endParaRPr lang="zh-CN" altLang="en-US"/>
           </a:p>
@@ -3154,66 +3156,6 @@
           </a:p>
         </p:txBody>
       </p:sp>
-      <p:pic>
-        <p:nvPicPr>
-          <p:cNvPr id="2050" name="图片 4">
-            <a:extLst>
-              <a:ext uri="{FF2B5EF4-FFF2-40B4-BE49-F238E27FC236}">
-                <a16:creationId xmlns:a16="http://schemas.microsoft.com/office/drawing/2014/main" id="{6E7EE517-95C5-47D0-B8B6-10BCF9BBD9F1}"/>
-              </a:ext>
-            </a:extLst>
-          </p:cNvPr>
-          <p:cNvPicPr>
-            <a:picLocks noChangeAspect="1" noChangeArrowheads="1"/>
-          </p:cNvPicPr>
-          <p:nvPr/>
-        </p:nvPicPr>
-        <p:blipFill>
-          <a:blip r:embed="rId2">
-            <a:extLst>
-              <a:ext uri="{28A0092B-C50C-407E-A947-70E740481C1C}">
-                <a14:useLocalDpi xmlns:a14="http://schemas.microsoft.com/office/drawing/2010/main" val="0"/>
-              </a:ext>
-            </a:extLst>
-          </a:blip>
-          <a:srcRect/>
-          <a:stretch>
-            <a:fillRect/>
-          </a:stretch>
-        </p:blipFill>
-        <p:spPr bwMode="auto">
-          <a:xfrm>
-            <a:off x="2975520" y="857794"/>
-            <a:ext cx="7167700" cy="4867649"/>
-          </a:xfrm>
-          <a:prstGeom prst="rect">
-            <a:avLst/>
-          </a:prstGeom>
-          <a:noFill/>
-          <a:ln>
-            <a:noFill/>
-          </a:ln>
-          <a:extLst>
-            <a:ext uri="{909E8E84-426E-40DD-AFC4-6F175D3DCCD1}">
-              <a14:hiddenFill xmlns:a14="http://schemas.microsoft.com/office/drawing/2010/main">
-                <a:solidFill>
-                  <a:srgbClr val="FFFFFF"/>
-                </a:solidFill>
-              </a14:hiddenFill>
-            </a:ext>
-            <a:ext uri="{91240B29-F687-4F45-9708-019B960494DF}">
-              <a14:hiddenLine xmlns:a14="http://schemas.microsoft.com/office/drawing/2010/main" w="9525">
-                <a:solidFill>
-                  <a:srgbClr val="000000"/>
-                </a:solidFill>
-                <a:miter lim="800000"/>
-                <a:headEnd/>
-                <a:tailEnd/>
-              </a14:hiddenLine>
-            </a:ext>
-          </a:extLst>
-        </p:spPr>
-      </p:pic>
       <p:sp>
         <p:nvSpPr>
           <p:cNvPr id="5" name="文本框 4">
@@ -3272,6 +3214,42 @@
           </a:p>
         </p:txBody>
       </p:sp>
+      <p:pic>
+        <p:nvPicPr>
+          <p:cNvPr id="4" name="图片 3">
+            <a:extLst>
+              <a:ext uri="{FF2B5EF4-FFF2-40B4-BE49-F238E27FC236}">
+                <a16:creationId xmlns:a16="http://schemas.microsoft.com/office/drawing/2014/main" id="{BEAD1E28-0CD3-49B2-A1BF-5B187A7811B6}"/>
+              </a:ext>
+            </a:extLst>
+          </p:cNvPr>
+          <p:cNvPicPr>
+            <a:picLocks noChangeAspect="1"/>
+          </p:cNvPicPr>
+          <p:nvPr/>
+        </p:nvPicPr>
+        <p:blipFill>
+          <a:blip r:embed="rId2">
+            <a:extLst>
+              <a:ext uri="{28A0092B-C50C-407E-A947-70E740481C1C}">
+                <a14:useLocalDpi xmlns:a14="http://schemas.microsoft.com/office/drawing/2010/main" val="0"/>
+              </a:ext>
+            </a:extLst>
+          </a:blip>
+          <a:stretch>
+            <a:fillRect/>
+          </a:stretch>
+        </p:blipFill>
+        <p:spPr>
+          <a:xfrm>
+            <a:off x="2509569" y="355941"/>
+            <a:ext cx="8016116" cy="5867046"/>
+          </a:xfrm>
+          <a:prstGeom prst="rect">
+            <a:avLst/>
+          </a:prstGeom>
+        </p:spPr>
+      </p:pic>
     </p:spTree>
     <p:extLst>
       <p:ext uri="{BB962C8B-B14F-4D97-AF65-F5344CB8AC3E}">
@@ -3298,6 +3276,572 @@
 </file>
 
 <file path=ppt/slides/slide11.xml><?xml version="1.0" encoding="utf-8"?>
+<p:sld xmlns:a="http://schemas.openxmlformats.org/drawingml/2006/main" xmlns:r="http://schemas.openxmlformats.org/officeDocument/2006/relationships" xmlns:p="http://schemas.openxmlformats.org/presentationml/2006/main">
+  <p:cSld>
+    <p:spTree>
+      <p:nvGrpSpPr>
+        <p:cNvPr id="1" name=""/>
+        <p:cNvGrpSpPr/>
+        <p:nvPr/>
+      </p:nvGrpSpPr>
+      <p:grpSpPr>
+        <a:xfrm>
+          <a:off x="0" y="0"/>
+          <a:ext cx="0" cy="0"/>
+          <a:chOff x="0" y="0"/>
+          <a:chExt cx="0" cy="0"/>
+        </a:xfrm>
+      </p:grpSpPr>
+      <p:sp>
+        <p:nvSpPr>
+          <p:cNvPr id="3" name="任意形状 15">
+            <a:extLst>
+              <a:ext uri="{FF2B5EF4-FFF2-40B4-BE49-F238E27FC236}">
+                <a16:creationId xmlns:a16="http://schemas.microsoft.com/office/drawing/2014/main" id="{B9A42727-6396-46B3-9609-75385800D705}"/>
+              </a:ext>
+            </a:extLst>
+          </p:cNvPr>
+          <p:cNvSpPr/>
+          <p:nvPr/>
+        </p:nvSpPr>
+        <p:spPr>
+          <a:xfrm flipH="1">
+            <a:off x="10961244" y="5257471"/>
+            <a:ext cx="1230756" cy="327164"/>
+          </a:xfrm>
+          <a:custGeom>
+            <a:avLst/>
+            <a:gdLst>
+              <a:gd name="connsiteX0" fmla="*/ 0 w 1230756"/>
+              <a:gd name="connsiteY0" fmla="*/ 0 h 327164"/>
+              <a:gd name="connsiteX1" fmla="*/ 883253 w 1230756"/>
+              <a:gd name="connsiteY1" fmla="*/ 0 h 327164"/>
+              <a:gd name="connsiteX2" fmla="*/ 883253 w 1230756"/>
+              <a:gd name="connsiteY2" fmla="*/ 1 h 327164"/>
+              <a:gd name="connsiteX3" fmla="*/ 1230756 w 1230756"/>
+              <a:gd name="connsiteY3" fmla="*/ 1 h 327164"/>
+              <a:gd name="connsiteX4" fmla="*/ 1067175 w 1230756"/>
+              <a:gd name="connsiteY4" fmla="*/ 163583 h 327164"/>
+              <a:gd name="connsiteX5" fmla="*/ 1230756 w 1230756"/>
+              <a:gd name="connsiteY5" fmla="*/ 327164 h 327164"/>
+              <a:gd name="connsiteX6" fmla="*/ 787067 w 1230756"/>
+              <a:gd name="connsiteY6" fmla="*/ 327164 h 327164"/>
+              <a:gd name="connsiteX7" fmla="*/ 787067 w 1230756"/>
+              <a:gd name="connsiteY7" fmla="*/ 327163 h 327164"/>
+              <a:gd name="connsiteX8" fmla="*/ 0 w 1230756"/>
+              <a:gd name="connsiteY8" fmla="*/ 327163 h 327164"/>
+            </a:gdLst>
+            <a:ahLst/>
+            <a:cxnLst>
+              <a:cxn ang="0">
+                <a:pos x="connsiteX0" y="connsiteY0"/>
+              </a:cxn>
+              <a:cxn ang="0">
+                <a:pos x="connsiteX1" y="connsiteY1"/>
+              </a:cxn>
+              <a:cxn ang="0">
+                <a:pos x="connsiteX2" y="connsiteY2"/>
+              </a:cxn>
+              <a:cxn ang="0">
+                <a:pos x="connsiteX3" y="connsiteY3"/>
+              </a:cxn>
+              <a:cxn ang="0">
+                <a:pos x="connsiteX4" y="connsiteY4"/>
+              </a:cxn>
+              <a:cxn ang="0">
+                <a:pos x="connsiteX5" y="connsiteY5"/>
+              </a:cxn>
+              <a:cxn ang="0">
+                <a:pos x="connsiteX6" y="connsiteY6"/>
+              </a:cxn>
+              <a:cxn ang="0">
+                <a:pos x="connsiteX7" y="connsiteY7"/>
+              </a:cxn>
+              <a:cxn ang="0">
+                <a:pos x="connsiteX8" y="connsiteY8"/>
+              </a:cxn>
+            </a:cxnLst>
+            <a:rect l="l" t="t" r="r" b="b"/>
+            <a:pathLst>
+              <a:path w="1230756" h="327164">
+                <a:moveTo>
+                  <a:pt x="0" y="0"/>
+                </a:moveTo>
+                <a:lnTo>
+                  <a:pt x="883253" y="0"/>
+                </a:lnTo>
+                <a:lnTo>
+                  <a:pt x="883253" y="1"/>
+                </a:lnTo>
+                <a:lnTo>
+                  <a:pt x="1230756" y="1"/>
+                </a:lnTo>
+                <a:lnTo>
+                  <a:pt x="1067175" y="163583"/>
+                </a:lnTo>
+                <a:lnTo>
+                  <a:pt x="1230756" y="327164"/>
+                </a:lnTo>
+                <a:lnTo>
+                  <a:pt x="787067" y="327164"/>
+                </a:lnTo>
+                <a:lnTo>
+                  <a:pt x="787067" y="327163"/>
+                </a:lnTo>
+                <a:lnTo>
+                  <a:pt x="0" y="327163"/>
+                </a:lnTo>
+                <a:close/>
+              </a:path>
+            </a:pathLst>
+          </a:custGeom>
+          <a:solidFill>
+            <a:srgbClr val="A14F4C"/>
+          </a:solidFill>
+          <a:ln>
+            <a:noFill/>
+          </a:ln>
+          <a:effectLst/>
+        </p:spPr>
+        <p:style>
+          <a:lnRef idx="2">
+            <a:schemeClr val="accent1">
+              <a:shade val="50000"/>
+            </a:schemeClr>
+          </a:lnRef>
+          <a:fillRef idx="1">
+            <a:schemeClr val="accent1"/>
+          </a:fillRef>
+          <a:effectRef idx="0">
+            <a:schemeClr val="accent1"/>
+          </a:effectRef>
+          <a:fontRef idx="minor">
+            <a:schemeClr val="lt1"/>
+          </a:fontRef>
+        </p:style>
+        <p:txBody>
+          <a:bodyPr rtlCol="0" anchor="ctr"/>
+          <a:lstStyle/>
+          <a:p>
+            <a:pPr algn="ctr"/>
+            <a:endParaRPr kumimoji="1" lang="zh-CN" altLang="en-US"/>
+          </a:p>
+        </p:txBody>
+      </p:sp>
+      <p:sp>
+        <p:nvSpPr>
+          <p:cNvPr id="5" name="文本框 4">
+            <a:extLst>
+              <a:ext uri="{FF2B5EF4-FFF2-40B4-BE49-F238E27FC236}">
+                <a16:creationId xmlns:a16="http://schemas.microsoft.com/office/drawing/2014/main" id="{B6A6FEB1-3712-4BFE-BC19-AC453EA3FE84}"/>
+              </a:ext>
+            </a:extLst>
+          </p:cNvPr>
+          <p:cNvSpPr txBox="1"/>
+          <p:nvPr/>
+        </p:nvSpPr>
+        <p:spPr>
+          <a:xfrm>
+            <a:off x="687927" y="199838"/>
+            <a:ext cx="1535998" cy="584775"/>
+          </a:xfrm>
+          <a:prstGeom prst="rect">
+            <a:avLst/>
+          </a:prstGeom>
+          <a:noFill/>
+        </p:spPr>
+        <p:txBody>
+          <a:bodyPr wrap="none" rtlCol="0">
+            <a:spAutoFit/>
+          </a:bodyPr>
+          <a:lstStyle/>
+          <a:p>
+            <a:pPr algn="ctr"/>
+            <a:r>
+              <a:rPr lang="zh-CN" altLang="en-US" sz="3200" b="1" spc="300" dirty="0">
+                <a:solidFill>
+                  <a:schemeClr val="tx1">
+                    <a:lumMod val="95000"/>
+                    <a:lumOff val="5000"/>
+                  </a:schemeClr>
+                </a:solidFill>
+                <a:latin typeface="幼圆" panose="02010509060101010101" pitchFamily="49" charset="-122"/>
+                <a:ea typeface="幼圆" panose="02010509060101010101" pitchFamily="49" charset="-122"/>
+              </a:rPr>
+              <a:t>数据库</a:t>
+            </a:r>
+          </a:p>
+        </p:txBody>
+      </p:sp>
+      <p:pic>
+        <p:nvPicPr>
+          <p:cNvPr id="4" name="图片 3">
+            <a:extLst>
+              <a:ext uri="{FF2B5EF4-FFF2-40B4-BE49-F238E27FC236}">
+                <a16:creationId xmlns:a16="http://schemas.microsoft.com/office/drawing/2014/main" id="{E757A764-3114-4240-9CC0-B8ACBC9B5E05}"/>
+              </a:ext>
+            </a:extLst>
+          </p:cNvPr>
+          <p:cNvPicPr>
+            <a:picLocks noChangeAspect="1"/>
+          </p:cNvPicPr>
+          <p:nvPr/>
+        </p:nvPicPr>
+        <p:blipFill>
+          <a:blip r:embed="rId2"/>
+          <a:stretch>
+            <a:fillRect/>
+          </a:stretch>
+        </p:blipFill>
+        <p:spPr>
+          <a:xfrm>
+            <a:off x="3257833" y="-19945"/>
+            <a:ext cx="5430857" cy="6858000"/>
+          </a:xfrm>
+          <a:prstGeom prst="rect">
+            <a:avLst/>
+          </a:prstGeom>
+        </p:spPr>
+      </p:pic>
+    </p:spTree>
+    <p:extLst>
+      <p:ext uri="{BB962C8B-B14F-4D97-AF65-F5344CB8AC3E}">
+        <p14:creationId xmlns:p14="http://schemas.microsoft.com/office/powerpoint/2010/main" val="1371131192"/>
+      </p:ext>
+    </p:extLst>
+  </p:cSld>
+  <p:clrMapOvr>
+    <a:masterClrMapping/>
+  </p:clrMapOvr>
+  <mc:AlternateContent xmlns:mc="http://schemas.openxmlformats.org/markup-compatibility/2006">
+    <mc:Choice xmlns:p14="http://schemas.microsoft.com/office/powerpoint/2010/main" Requires="p14">
+      <p:transition spd="slow" p14:dur="1500">
+        <p:random/>
+      </p:transition>
+    </mc:Choice>
+    <mc:Fallback>
+      <p:transition spd="slow">
+        <p:random/>
+      </p:transition>
+    </mc:Fallback>
+  </mc:AlternateContent>
+</p:sld>
+</file>
+
+<file path=ppt/slides/slide12.xml><?xml version="1.0" encoding="utf-8"?>
+<p:sld xmlns:a="http://schemas.openxmlformats.org/drawingml/2006/main" xmlns:r="http://schemas.openxmlformats.org/officeDocument/2006/relationships" xmlns:p="http://schemas.openxmlformats.org/presentationml/2006/main">
+  <p:cSld>
+    <p:spTree>
+      <p:nvGrpSpPr>
+        <p:cNvPr id="1" name=""/>
+        <p:cNvGrpSpPr/>
+        <p:nvPr/>
+      </p:nvGrpSpPr>
+      <p:grpSpPr>
+        <a:xfrm>
+          <a:off x="0" y="0"/>
+          <a:ext cx="0" cy="0"/>
+          <a:chOff x="0" y="0"/>
+          <a:chExt cx="0" cy="0"/>
+        </a:xfrm>
+      </p:grpSpPr>
+      <p:sp>
+        <p:nvSpPr>
+          <p:cNvPr id="3" name="任意形状 15">
+            <a:extLst>
+              <a:ext uri="{FF2B5EF4-FFF2-40B4-BE49-F238E27FC236}">
+                <a16:creationId xmlns:a16="http://schemas.microsoft.com/office/drawing/2014/main" id="{B9A42727-6396-46B3-9609-75385800D705}"/>
+              </a:ext>
+            </a:extLst>
+          </p:cNvPr>
+          <p:cNvSpPr/>
+          <p:nvPr/>
+        </p:nvSpPr>
+        <p:spPr>
+          <a:xfrm flipH="1">
+            <a:off x="10961244" y="5257471"/>
+            <a:ext cx="1230756" cy="327164"/>
+          </a:xfrm>
+          <a:custGeom>
+            <a:avLst/>
+            <a:gdLst>
+              <a:gd name="connsiteX0" fmla="*/ 0 w 1230756"/>
+              <a:gd name="connsiteY0" fmla="*/ 0 h 327164"/>
+              <a:gd name="connsiteX1" fmla="*/ 883253 w 1230756"/>
+              <a:gd name="connsiteY1" fmla="*/ 0 h 327164"/>
+              <a:gd name="connsiteX2" fmla="*/ 883253 w 1230756"/>
+              <a:gd name="connsiteY2" fmla="*/ 1 h 327164"/>
+              <a:gd name="connsiteX3" fmla="*/ 1230756 w 1230756"/>
+              <a:gd name="connsiteY3" fmla="*/ 1 h 327164"/>
+              <a:gd name="connsiteX4" fmla="*/ 1067175 w 1230756"/>
+              <a:gd name="connsiteY4" fmla="*/ 163583 h 327164"/>
+              <a:gd name="connsiteX5" fmla="*/ 1230756 w 1230756"/>
+              <a:gd name="connsiteY5" fmla="*/ 327164 h 327164"/>
+              <a:gd name="connsiteX6" fmla="*/ 787067 w 1230756"/>
+              <a:gd name="connsiteY6" fmla="*/ 327164 h 327164"/>
+              <a:gd name="connsiteX7" fmla="*/ 787067 w 1230756"/>
+              <a:gd name="connsiteY7" fmla="*/ 327163 h 327164"/>
+              <a:gd name="connsiteX8" fmla="*/ 0 w 1230756"/>
+              <a:gd name="connsiteY8" fmla="*/ 327163 h 327164"/>
+            </a:gdLst>
+            <a:ahLst/>
+            <a:cxnLst>
+              <a:cxn ang="0">
+                <a:pos x="connsiteX0" y="connsiteY0"/>
+              </a:cxn>
+              <a:cxn ang="0">
+                <a:pos x="connsiteX1" y="connsiteY1"/>
+              </a:cxn>
+              <a:cxn ang="0">
+                <a:pos x="connsiteX2" y="connsiteY2"/>
+              </a:cxn>
+              <a:cxn ang="0">
+                <a:pos x="connsiteX3" y="connsiteY3"/>
+              </a:cxn>
+              <a:cxn ang="0">
+                <a:pos x="connsiteX4" y="connsiteY4"/>
+              </a:cxn>
+              <a:cxn ang="0">
+                <a:pos x="connsiteX5" y="connsiteY5"/>
+              </a:cxn>
+              <a:cxn ang="0">
+                <a:pos x="connsiteX6" y="connsiteY6"/>
+              </a:cxn>
+              <a:cxn ang="0">
+                <a:pos x="connsiteX7" y="connsiteY7"/>
+              </a:cxn>
+              <a:cxn ang="0">
+                <a:pos x="connsiteX8" y="connsiteY8"/>
+              </a:cxn>
+            </a:cxnLst>
+            <a:rect l="l" t="t" r="r" b="b"/>
+            <a:pathLst>
+              <a:path w="1230756" h="327164">
+                <a:moveTo>
+                  <a:pt x="0" y="0"/>
+                </a:moveTo>
+                <a:lnTo>
+                  <a:pt x="883253" y="0"/>
+                </a:lnTo>
+                <a:lnTo>
+                  <a:pt x="883253" y="1"/>
+                </a:lnTo>
+                <a:lnTo>
+                  <a:pt x="1230756" y="1"/>
+                </a:lnTo>
+                <a:lnTo>
+                  <a:pt x="1067175" y="163583"/>
+                </a:lnTo>
+                <a:lnTo>
+                  <a:pt x="1230756" y="327164"/>
+                </a:lnTo>
+                <a:lnTo>
+                  <a:pt x="787067" y="327164"/>
+                </a:lnTo>
+                <a:lnTo>
+                  <a:pt x="787067" y="327163"/>
+                </a:lnTo>
+                <a:lnTo>
+                  <a:pt x="0" y="327163"/>
+                </a:lnTo>
+                <a:close/>
+              </a:path>
+            </a:pathLst>
+          </a:custGeom>
+          <a:solidFill>
+            <a:srgbClr val="A14F4C"/>
+          </a:solidFill>
+          <a:ln>
+            <a:noFill/>
+          </a:ln>
+          <a:effectLst/>
+        </p:spPr>
+        <p:style>
+          <a:lnRef idx="2">
+            <a:schemeClr val="accent1">
+              <a:shade val="50000"/>
+            </a:schemeClr>
+          </a:lnRef>
+          <a:fillRef idx="1">
+            <a:schemeClr val="accent1"/>
+          </a:fillRef>
+          <a:effectRef idx="0">
+            <a:schemeClr val="accent1"/>
+          </a:effectRef>
+          <a:fontRef idx="minor">
+            <a:schemeClr val="lt1"/>
+          </a:fontRef>
+        </p:style>
+        <p:txBody>
+          <a:bodyPr rtlCol="0" anchor="ctr"/>
+          <a:lstStyle/>
+          <a:p>
+            <a:pPr algn="ctr"/>
+            <a:endParaRPr kumimoji="1" lang="zh-CN" altLang="en-US"/>
+          </a:p>
+        </p:txBody>
+      </p:sp>
+      <p:sp>
+        <p:nvSpPr>
+          <p:cNvPr id="5" name="文本框 4">
+            <a:extLst>
+              <a:ext uri="{FF2B5EF4-FFF2-40B4-BE49-F238E27FC236}">
+                <a16:creationId xmlns:a16="http://schemas.microsoft.com/office/drawing/2014/main" id="{B6A6FEB1-3712-4BFE-BC19-AC453EA3FE84}"/>
+              </a:ext>
+            </a:extLst>
+          </p:cNvPr>
+          <p:cNvSpPr txBox="1"/>
+          <p:nvPr/>
+        </p:nvSpPr>
+        <p:spPr>
+          <a:xfrm>
+            <a:off x="462704" y="199838"/>
+            <a:ext cx="1986441" cy="584775"/>
+          </a:xfrm>
+          <a:prstGeom prst="rect">
+            <a:avLst/>
+          </a:prstGeom>
+          <a:noFill/>
+        </p:spPr>
+        <p:txBody>
+          <a:bodyPr wrap="none" rtlCol="0">
+            <a:spAutoFit/>
+          </a:bodyPr>
+          <a:lstStyle/>
+          <a:p>
+            <a:pPr algn="ctr"/>
+            <a:r>
+              <a:rPr lang="zh-CN" altLang="en-US" sz="3200" b="1" spc="300" dirty="0">
+                <a:solidFill>
+                  <a:schemeClr val="tx1">
+                    <a:lumMod val="95000"/>
+                    <a:lumOff val="5000"/>
+                  </a:schemeClr>
+                </a:solidFill>
+                <a:latin typeface="幼圆" panose="02010509060101010101" pitchFamily="49" charset="-122"/>
+                <a:ea typeface="幼圆" panose="02010509060101010101" pitchFamily="49" charset="-122"/>
+              </a:rPr>
+              <a:t>数字字典</a:t>
+            </a:r>
+          </a:p>
+        </p:txBody>
+      </p:sp>
+      <p:pic>
+        <p:nvPicPr>
+          <p:cNvPr id="6" name="图片 5">
+            <a:extLst>
+              <a:ext uri="{FF2B5EF4-FFF2-40B4-BE49-F238E27FC236}">
+                <a16:creationId xmlns:a16="http://schemas.microsoft.com/office/drawing/2014/main" id="{B1728146-B09A-4C54-88CA-2CD9B42DB0ED}"/>
+              </a:ext>
+            </a:extLst>
+          </p:cNvPr>
+          <p:cNvPicPr>
+            <a:picLocks noChangeAspect="1"/>
+          </p:cNvPicPr>
+          <p:nvPr/>
+        </p:nvPicPr>
+        <p:blipFill>
+          <a:blip r:embed="rId2"/>
+          <a:stretch>
+            <a:fillRect/>
+          </a:stretch>
+        </p:blipFill>
+        <p:spPr>
+          <a:xfrm>
+            <a:off x="2549562" y="146194"/>
+            <a:ext cx="2572034" cy="6565612"/>
+          </a:xfrm>
+          <a:prstGeom prst="rect">
+            <a:avLst/>
+          </a:prstGeom>
+        </p:spPr>
+      </p:pic>
+      <p:pic>
+        <p:nvPicPr>
+          <p:cNvPr id="8" name="图片 7">
+            <a:extLst>
+              <a:ext uri="{FF2B5EF4-FFF2-40B4-BE49-F238E27FC236}">
+                <a16:creationId xmlns:a16="http://schemas.microsoft.com/office/drawing/2014/main" id="{1B7B92B1-D58F-4AFA-873A-AF37944A3D75}"/>
+              </a:ext>
+            </a:extLst>
+          </p:cNvPr>
+          <p:cNvPicPr>
+            <a:picLocks noChangeAspect="1"/>
+          </p:cNvPicPr>
+          <p:nvPr/>
+        </p:nvPicPr>
+        <p:blipFill>
+          <a:blip r:embed="rId3"/>
+          <a:stretch>
+            <a:fillRect/>
+          </a:stretch>
+        </p:blipFill>
+        <p:spPr>
+          <a:xfrm>
+            <a:off x="5533421" y="146194"/>
+            <a:ext cx="2487251" cy="6565612"/>
+          </a:xfrm>
+          <a:prstGeom prst="rect">
+            <a:avLst/>
+          </a:prstGeom>
+        </p:spPr>
+      </p:pic>
+      <p:pic>
+        <p:nvPicPr>
+          <p:cNvPr id="10" name="图片 9">
+            <a:extLst>
+              <a:ext uri="{FF2B5EF4-FFF2-40B4-BE49-F238E27FC236}">
+                <a16:creationId xmlns:a16="http://schemas.microsoft.com/office/drawing/2014/main" id="{1311BDC4-3C8C-42F3-9349-1D0CFDBD1A19}"/>
+              </a:ext>
+            </a:extLst>
+          </p:cNvPr>
+          <p:cNvPicPr>
+            <a:picLocks noChangeAspect="1"/>
+          </p:cNvPicPr>
+          <p:nvPr/>
+        </p:nvPicPr>
+        <p:blipFill>
+          <a:blip r:embed="rId4"/>
+          <a:stretch>
+            <a:fillRect/>
+          </a:stretch>
+        </p:blipFill>
+        <p:spPr>
+          <a:xfrm>
+            <a:off x="8486727" y="146194"/>
+            <a:ext cx="2474517" cy="6633420"/>
+          </a:xfrm>
+          <a:prstGeom prst="rect">
+            <a:avLst/>
+          </a:prstGeom>
+        </p:spPr>
+      </p:pic>
+    </p:spTree>
+    <p:extLst>
+      <p:ext uri="{BB962C8B-B14F-4D97-AF65-F5344CB8AC3E}">
+        <p14:creationId xmlns:p14="http://schemas.microsoft.com/office/powerpoint/2010/main" val="3947089725"/>
+      </p:ext>
+    </p:extLst>
+  </p:cSld>
+  <p:clrMapOvr>
+    <a:masterClrMapping/>
+  </p:clrMapOvr>
+  <mc:AlternateContent xmlns:mc="http://schemas.openxmlformats.org/markup-compatibility/2006">
+    <mc:Choice xmlns:p14="http://schemas.microsoft.com/office/powerpoint/2010/main" Requires="p14">
+      <p:transition spd="slow" p14:dur="1500">
+        <p:random/>
+      </p:transition>
+    </mc:Choice>
+    <mc:Fallback>
+      <p:transition spd="slow">
+        <p:random/>
+      </p:transition>
+    </mc:Fallback>
+  </mc:AlternateContent>
+</p:sld>
+</file>
+
+<file path=ppt/slides/slide13.xml><?xml version="1.0" encoding="utf-8"?>
 <p:sld xmlns:a="http://schemas.openxmlformats.org/drawingml/2006/main" xmlns:r="http://schemas.openxmlformats.org/officeDocument/2006/relationships" xmlns:p="http://schemas.openxmlformats.org/presentationml/2006/main">
   <p:cSld>
     <p:spTree>
@@ -5622,7 +6166,7 @@
 </p:sld>
 </file>
 
-<file path=ppt/slides/slide12.xml><?xml version="1.0" encoding="utf-8"?>
+<file path=ppt/slides/slide14.xml><?xml version="1.0" encoding="utf-8"?>
 <p:sld xmlns:a="http://schemas.openxmlformats.org/drawingml/2006/main" xmlns:r="http://schemas.openxmlformats.org/officeDocument/2006/relationships" xmlns:p="http://schemas.openxmlformats.org/presentationml/2006/main">
   <p:cSld>
     <p:spTree>
@@ -5889,7 +6433,7 @@
 </p:sld>
 </file>
 
-<file path=ppt/slides/slide13.xml><?xml version="1.0" encoding="utf-8"?>
+<file path=ppt/slides/slide15.xml><?xml version="1.0" encoding="utf-8"?>
 <p:sld xmlns:a="http://schemas.openxmlformats.org/drawingml/2006/main" xmlns:r="http://schemas.openxmlformats.org/officeDocument/2006/relationships" xmlns:p="http://schemas.openxmlformats.org/presentationml/2006/main">
   <p:cSld>
     <p:spTree>
@@ -10138,7 +10682,7 @@
 </p:sld>
 </file>
 
-<file path=ppt/slides/slide14.xml><?xml version="1.0" encoding="utf-8"?>
+<file path=ppt/slides/slide16.xml><?xml version="1.0" encoding="utf-8"?>
 <p:sld xmlns:a="http://schemas.openxmlformats.org/drawingml/2006/main" xmlns:r="http://schemas.openxmlformats.org/officeDocument/2006/relationships" xmlns:p="http://schemas.openxmlformats.org/presentationml/2006/main">
   <p:cSld>
     <p:spTree>
@@ -10405,7 +10949,7 @@
 </p:sld>
 </file>
 
-<file path=ppt/slides/slide15.xml><?xml version="1.0" encoding="utf-8"?>
+<file path=ppt/slides/slide17.xml><?xml version="1.0" encoding="utf-8"?>
 <p:sld xmlns:a="http://schemas.openxmlformats.org/drawingml/2006/main" xmlns:r="http://schemas.openxmlformats.org/officeDocument/2006/relationships" xmlns:p="http://schemas.openxmlformats.org/presentationml/2006/main">
   <p:cSld>
     <p:spTree>
@@ -11487,7 +12031,7 @@
 </p:sld>
 </file>
 
-<file path=ppt/slides/slide16.xml><?xml version="1.0" encoding="utf-8"?>
+<file path=ppt/slides/slide18.xml><?xml version="1.0" encoding="utf-8"?>
 <p:sld xmlns:a="http://schemas.openxmlformats.org/drawingml/2006/main" xmlns:r="http://schemas.openxmlformats.org/officeDocument/2006/relationships" xmlns:p="http://schemas.openxmlformats.org/presentationml/2006/main">
   <p:cSld>
     <p:spTree>
@@ -14996,15 +15540,15 @@
       </p:sp>
       <p:pic>
         <p:nvPicPr>
-          <p:cNvPr id="3074" name="Picture 2">
+          <p:cNvPr id="4" name="图片 3">
             <a:extLst>
               <a:ext uri="{FF2B5EF4-FFF2-40B4-BE49-F238E27FC236}">
-                <a16:creationId xmlns:a16="http://schemas.microsoft.com/office/drawing/2014/main" id="{D479604A-E049-496E-9681-ECA81059CD32}"/>
+                <a16:creationId xmlns:a16="http://schemas.microsoft.com/office/drawing/2014/main" id="{4CAA099B-1661-43A2-AD9A-8B328D9223AF}"/>
               </a:ext>
             </a:extLst>
           </p:cNvPr>
           <p:cNvPicPr>
-            <a:picLocks noChangeAspect="1" noChangeArrowheads="1"/>
+            <a:picLocks noChangeAspect="1"/>
           </p:cNvPicPr>
           <p:nvPr/>
         </p:nvPicPr>
@@ -15016,147 +15560,18 @@
               </a:ext>
             </a:extLst>
           </a:blip>
-          <a:srcRect/>
           <a:stretch>
             <a:fillRect/>
           </a:stretch>
         </p:blipFill>
-        <p:spPr bwMode="auto">
+        <p:spPr>
           <a:xfrm>
-            <a:off x="4234469" y="285714"/>
-            <a:ext cx="6824247" cy="2547937"/>
+            <a:off x="4311666" y="46415"/>
+            <a:ext cx="6649578" cy="6891364"/>
           </a:xfrm>
           <a:prstGeom prst="rect">
             <a:avLst/>
           </a:prstGeom>
-          <a:noFill/>
-          <a:ln>
-            <a:noFill/>
-          </a:ln>
-          <a:extLst>
-            <a:ext uri="{909E8E84-426E-40DD-AFC4-6F175D3DCCD1}">
-              <a14:hiddenFill xmlns:a14="http://schemas.microsoft.com/office/drawing/2010/main">
-                <a:solidFill>
-                  <a:srgbClr val="FFFFFF"/>
-                </a:solidFill>
-              </a14:hiddenFill>
-            </a:ext>
-            <a:ext uri="{91240B29-F687-4F45-9708-019B960494DF}">
-              <a14:hiddenLine xmlns:a14="http://schemas.microsoft.com/office/drawing/2010/main" w="9525">
-                <a:solidFill>
-                  <a:srgbClr val="000000"/>
-                </a:solidFill>
-                <a:miter lim="800000"/>
-                <a:headEnd/>
-                <a:tailEnd/>
-              </a14:hiddenLine>
-            </a:ext>
-          </a:extLst>
-        </p:spPr>
-      </p:pic>
-      <p:sp>
-        <p:nvSpPr>
-          <p:cNvPr id="7" name="文本框 6">
-            <a:extLst>
-              <a:ext uri="{FF2B5EF4-FFF2-40B4-BE49-F238E27FC236}">
-                <a16:creationId xmlns:a16="http://schemas.microsoft.com/office/drawing/2014/main" id="{297AFF14-EF3E-4EDC-A3F1-D24F76BA03B0}"/>
-              </a:ext>
-            </a:extLst>
-          </p:cNvPr>
-          <p:cNvSpPr txBox="1"/>
-          <p:nvPr/>
-        </p:nvSpPr>
-        <p:spPr>
-          <a:xfrm>
-            <a:off x="3326809" y="3136612"/>
-            <a:ext cx="2436886" cy="584775"/>
-          </a:xfrm>
-          <a:prstGeom prst="rect">
-            <a:avLst/>
-          </a:prstGeom>
-          <a:noFill/>
-        </p:spPr>
-        <p:txBody>
-          <a:bodyPr wrap="none" rtlCol="0">
-            <a:spAutoFit/>
-          </a:bodyPr>
-          <a:lstStyle/>
-          <a:p>
-            <a:pPr algn="ctr"/>
-            <a:r>
-              <a:rPr lang="zh-CN" altLang="en-US" sz="3200" b="1" spc="300" dirty="0">
-                <a:solidFill>
-                  <a:schemeClr val="tx1">
-                    <a:lumMod val="95000"/>
-                    <a:lumOff val="5000"/>
-                  </a:schemeClr>
-                </a:solidFill>
-                <a:latin typeface="幼圆" panose="02010509060101010101" pitchFamily="49" charset="-122"/>
-                <a:ea typeface="幼圆" panose="02010509060101010101" pitchFamily="49" charset="-122"/>
-              </a:rPr>
-              <a:t>业务流程图</a:t>
-            </a:r>
-          </a:p>
-        </p:txBody>
-      </p:sp>
-      <p:pic>
-        <p:nvPicPr>
-          <p:cNvPr id="3076" name="Picture 4">
-            <a:extLst>
-              <a:ext uri="{FF2B5EF4-FFF2-40B4-BE49-F238E27FC236}">
-                <a16:creationId xmlns:a16="http://schemas.microsoft.com/office/drawing/2014/main" id="{F3790520-2619-4D46-B2CD-32C50BFBE120}"/>
-              </a:ext>
-            </a:extLst>
-          </p:cNvPr>
-          <p:cNvPicPr>
-            <a:picLocks noChangeAspect="1" noChangeArrowheads="1"/>
-          </p:cNvPicPr>
-          <p:nvPr/>
-        </p:nvPicPr>
-        <p:blipFill>
-          <a:blip r:embed="rId3">
-            <a:extLst>
-              <a:ext uri="{28A0092B-C50C-407E-A947-70E740481C1C}">
-                <a14:useLocalDpi xmlns:a14="http://schemas.microsoft.com/office/drawing/2010/main" val="0"/>
-              </a:ext>
-            </a:extLst>
-          </a:blip>
-          <a:srcRect r="37665" b="29099"/>
-          <a:stretch>
-            <a:fillRect/>
-          </a:stretch>
-        </p:blipFill>
-        <p:spPr bwMode="auto">
-          <a:xfrm>
-            <a:off x="6081466" y="2996523"/>
-            <a:ext cx="4214205" cy="3719182"/>
-          </a:xfrm>
-          <a:prstGeom prst="rect">
-            <a:avLst/>
-          </a:prstGeom>
-          <a:noFill/>
-          <a:ln>
-            <a:noFill/>
-          </a:ln>
-          <a:extLst>
-            <a:ext uri="{909E8E84-426E-40DD-AFC4-6F175D3DCCD1}">
-              <a14:hiddenFill xmlns:a14="http://schemas.microsoft.com/office/drawing/2010/main">
-                <a:solidFill>
-                  <a:srgbClr val="FFFFFF"/>
-                </a:solidFill>
-              </a14:hiddenFill>
-            </a:ext>
-            <a:ext uri="{91240B29-F687-4F45-9708-019B960494DF}">
-              <a14:hiddenLine xmlns:a14="http://schemas.microsoft.com/office/drawing/2010/main" w="9525">
-                <a:solidFill>
-                  <a:srgbClr val="000000"/>
-                </a:solidFill>
-                <a:miter lim="800000"/>
-                <a:headEnd/>
-                <a:tailEnd/>
-              </a14:hiddenLine>
-            </a:ext>
-          </a:extLst>
         </p:spPr>
       </p:pic>
     </p:spTree>
@@ -15274,259 +15689,6 @@
                                   </p:childTnLst>
                                 </p:cTn>
                               </p:par>
-                              <p:par>
-                                <p:cTn id="9" presetID="2" presetClass="entr" presetSubtype="4" fill="hold" nodeType="withEffect">
-                                  <p:stCondLst>
-                                    <p:cond delay="0"/>
-                                  </p:stCondLst>
-                                  <p:childTnLst>
-                                    <p:set>
-                                      <p:cBhvr>
-                                        <p:cTn id="10" dur="1" fill="hold">
-                                          <p:stCondLst>
-                                            <p:cond delay="0"/>
-                                          </p:stCondLst>
-                                        </p:cTn>
-                                        <p:tgtEl>
-                                          <p:spTgt spid="3074"/>
-                                        </p:tgtEl>
-                                        <p:attrNameLst>
-                                          <p:attrName>style.visibility</p:attrName>
-                                        </p:attrNameLst>
-                                      </p:cBhvr>
-                                      <p:to>
-                                        <p:strVal val="visible"/>
-                                      </p:to>
-                                    </p:set>
-                                    <p:anim calcmode="lin" valueType="num">
-                                      <p:cBhvr additive="base">
-                                        <p:cTn id="11" dur="500" fill="hold"/>
-                                        <p:tgtEl>
-                                          <p:spTgt spid="3074"/>
-                                        </p:tgtEl>
-                                        <p:attrNameLst>
-                                          <p:attrName>ppt_x</p:attrName>
-                                        </p:attrNameLst>
-                                      </p:cBhvr>
-                                      <p:tavLst>
-                                        <p:tav tm="0">
-                                          <p:val>
-                                            <p:strVal val="#ppt_x"/>
-                                          </p:val>
-                                        </p:tav>
-                                        <p:tav tm="100000">
-                                          <p:val>
-                                            <p:strVal val="#ppt_x"/>
-                                          </p:val>
-                                        </p:tav>
-                                      </p:tavLst>
-                                    </p:anim>
-                                    <p:anim calcmode="lin" valueType="num">
-                                      <p:cBhvr additive="base">
-                                        <p:cTn id="12" dur="500" fill="hold"/>
-                                        <p:tgtEl>
-                                          <p:spTgt spid="3074"/>
-                                        </p:tgtEl>
-                                        <p:attrNameLst>
-                                          <p:attrName>ppt_y</p:attrName>
-                                        </p:attrNameLst>
-                                      </p:cBhvr>
-                                      <p:tavLst>
-                                        <p:tav tm="0">
-                                          <p:val>
-                                            <p:strVal val="1+#ppt_h/2"/>
-                                          </p:val>
-                                        </p:tav>
-                                        <p:tav tm="100000">
-                                          <p:val>
-                                            <p:strVal val="#ppt_y"/>
-                                          </p:val>
-                                        </p:tav>
-                                      </p:tavLst>
-                                    </p:anim>
-                                  </p:childTnLst>
-                                </p:cTn>
-                              </p:par>
-                            </p:childTnLst>
-                          </p:cTn>
-                        </p:par>
-                      </p:childTnLst>
-                    </p:cTn>
-                  </p:par>
-                  <p:par>
-                    <p:cTn id="13" fill="hold">
-                      <p:stCondLst>
-                        <p:cond delay="indefinite"/>
-                      </p:stCondLst>
-                      <p:childTnLst>
-                        <p:par>
-                          <p:cTn id="14" fill="hold">
-                            <p:stCondLst>
-                              <p:cond delay="0"/>
-                            </p:stCondLst>
-                            <p:childTnLst>
-                              <p:par>
-                                <p:cTn id="15" presetID="42" presetClass="entr" presetSubtype="0" fill="hold" grpId="0" nodeType="clickEffect">
-                                  <p:stCondLst>
-                                    <p:cond delay="0"/>
-                                  </p:stCondLst>
-                                  <p:childTnLst>
-                                    <p:set>
-                                      <p:cBhvr>
-                                        <p:cTn id="16" dur="1" fill="hold">
-                                          <p:stCondLst>
-                                            <p:cond delay="0"/>
-                                          </p:stCondLst>
-                                        </p:cTn>
-                                        <p:tgtEl>
-                                          <p:spTgt spid="7"/>
-                                        </p:tgtEl>
-                                        <p:attrNameLst>
-                                          <p:attrName>style.visibility</p:attrName>
-                                        </p:attrNameLst>
-                                      </p:cBhvr>
-                                      <p:to>
-                                        <p:strVal val="visible"/>
-                                      </p:to>
-                                    </p:set>
-                                    <p:animEffect transition="in" filter="fade">
-                                      <p:cBhvr>
-                                        <p:cTn id="17" dur="1000"/>
-                                        <p:tgtEl>
-                                          <p:spTgt spid="7"/>
-                                        </p:tgtEl>
-                                      </p:cBhvr>
-                                    </p:animEffect>
-                                    <p:anim calcmode="lin" valueType="num">
-                                      <p:cBhvr>
-                                        <p:cTn id="18" dur="1000" fill="hold"/>
-                                        <p:tgtEl>
-                                          <p:spTgt spid="7"/>
-                                        </p:tgtEl>
-                                        <p:attrNameLst>
-                                          <p:attrName>ppt_x</p:attrName>
-                                        </p:attrNameLst>
-                                      </p:cBhvr>
-                                      <p:tavLst>
-                                        <p:tav tm="0">
-                                          <p:val>
-                                            <p:strVal val="#ppt_x"/>
-                                          </p:val>
-                                        </p:tav>
-                                        <p:tav tm="100000">
-                                          <p:val>
-                                            <p:strVal val="#ppt_x"/>
-                                          </p:val>
-                                        </p:tav>
-                                      </p:tavLst>
-                                    </p:anim>
-                                    <p:anim calcmode="lin" valueType="num">
-                                      <p:cBhvr>
-                                        <p:cTn id="19" dur="1000" fill="hold"/>
-                                        <p:tgtEl>
-                                          <p:spTgt spid="7"/>
-                                        </p:tgtEl>
-                                        <p:attrNameLst>
-                                          <p:attrName>ppt_y</p:attrName>
-                                        </p:attrNameLst>
-                                      </p:cBhvr>
-                                      <p:tavLst>
-                                        <p:tav tm="0">
-                                          <p:val>
-                                            <p:strVal val="#ppt_y+.1"/>
-                                          </p:val>
-                                        </p:tav>
-                                        <p:tav tm="100000">
-                                          <p:val>
-                                            <p:strVal val="#ppt_y"/>
-                                          </p:val>
-                                        </p:tav>
-                                      </p:tavLst>
-                                    </p:anim>
-                                  </p:childTnLst>
-                                </p:cTn>
-                              </p:par>
-                              <p:par>
-                                <p:cTn id="20" presetID="42" presetClass="entr" presetSubtype="0" fill="hold" nodeType="withEffect">
-                                  <p:stCondLst>
-                                    <p:cond delay="0"/>
-                                  </p:stCondLst>
-                                  <p:childTnLst>
-                                    <p:set>
-                                      <p:cBhvr>
-                                        <p:cTn id="21" dur="1" fill="hold">
-                                          <p:stCondLst>
-                                            <p:cond delay="0"/>
-                                          </p:stCondLst>
-                                        </p:cTn>
-                                        <p:tgtEl>
-                                          <p:spTgt spid="3076"/>
-                                        </p:tgtEl>
-                                        <p:attrNameLst>
-                                          <p:attrName>style.visibility</p:attrName>
-                                        </p:attrNameLst>
-                                      </p:cBhvr>
-                                      <p:to>
-                                        <p:strVal val="visible"/>
-                                      </p:to>
-                                    </p:set>
-                                    <p:animEffect transition="in" filter="fade">
-                                      <p:cBhvr>
-                                        <p:cTn id="22" dur="1000"/>
-                                        <p:tgtEl>
-                                          <p:spTgt spid="3076"/>
-                                        </p:tgtEl>
-                                      </p:cBhvr>
-                                    </p:animEffect>
-                                    <p:anim calcmode="lin" valueType="num">
-                                      <p:cBhvr>
-                                        <p:cTn id="23" dur="1000" fill="hold"/>
-                                        <p:tgtEl>
-                                          <p:spTgt spid="3076"/>
-                                        </p:tgtEl>
-                                        <p:attrNameLst>
-                                          <p:attrName>ppt_x</p:attrName>
-                                        </p:attrNameLst>
-                                      </p:cBhvr>
-                                      <p:tavLst>
-                                        <p:tav tm="0">
-                                          <p:val>
-                                            <p:strVal val="#ppt_x"/>
-                                          </p:val>
-                                        </p:tav>
-                                        <p:tav tm="100000">
-                                          <p:val>
-                                            <p:strVal val="#ppt_x"/>
-                                          </p:val>
-                                        </p:tav>
-                                      </p:tavLst>
-                                    </p:anim>
-                                    <p:anim calcmode="lin" valueType="num">
-                                      <p:cBhvr>
-                                        <p:cTn id="24" dur="1000" fill="hold"/>
-                                        <p:tgtEl>
-                                          <p:spTgt spid="3076"/>
-                                        </p:tgtEl>
-                                        <p:attrNameLst>
-                                          <p:attrName>ppt_y</p:attrName>
-                                        </p:attrNameLst>
-                                      </p:cBhvr>
-                                      <p:tavLst>
-                                        <p:tav tm="0">
-                                          <p:val>
-                                            <p:strVal val="#ppt_y+.1"/>
-                                          </p:val>
-                                        </p:tav>
-                                        <p:tav tm="100000">
-                                          <p:val>
-                                            <p:strVal val="#ppt_y"/>
-                                          </p:val>
-                                        </p:tav>
-                                      </p:tavLst>
-                                    </p:anim>
-                                  </p:childTnLst>
-                                </p:cTn>
-                              </p:par>
                             </p:childTnLst>
                           </p:cTn>
                         </p:par>
@@ -15556,7 +15718,6 @@
     </p:tnLst>
     <p:bldLst>
       <p:bldP spid="5" grpId="0"/>
-      <p:bldP spid="7" grpId="0"/>
     </p:bldLst>
   </p:timing>
 </p:sld>
@@ -15717,180 +15878,492 @@
       </p:sp>
       <p:sp>
         <p:nvSpPr>
-          <p:cNvPr id="4" name="矩形 3">
+          <p:cNvPr id="5" name="文本框 4">
             <a:extLst>
               <a:ext uri="{FF2B5EF4-FFF2-40B4-BE49-F238E27FC236}">
-                <a16:creationId xmlns:a16="http://schemas.microsoft.com/office/drawing/2014/main" id="{5F67A7B4-7161-44C1-AD1B-6288345DB198}"/>
+                <a16:creationId xmlns:a16="http://schemas.microsoft.com/office/drawing/2014/main" id="{ADB98667-E09C-4424-B716-CE4E942F0B75}"/>
               </a:ext>
             </a:extLst>
           </p:cNvPr>
-          <p:cNvSpPr/>
+          <p:cNvSpPr txBox="1"/>
           <p:nvPr/>
         </p:nvSpPr>
         <p:spPr>
           <a:xfrm>
-            <a:off x="4172218" y="5100447"/>
-            <a:ext cx="6096455" cy="1160831"/>
+            <a:off x="2003071" y="844214"/>
+            <a:ext cx="1986441" cy="584775"/>
           </a:xfrm>
           <a:prstGeom prst="rect">
             <a:avLst/>
           </a:prstGeom>
+          <a:noFill/>
         </p:spPr>
         <p:txBody>
-          <a:bodyPr wrap="square">
+          <a:bodyPr wrap="none" rtlCol="0">
             <a:spAutoFit/>
           </a:bodyPr>
           <a:lstStyle/>
           <a:p>
-            <a:pPr>
-              <a:lnSpc>
-                <a:spcPct val="150000"/>
-              </a:lnSpc>
-            </a:pPr>
+            <a:pPr algn="ctr"/>
             <a:r>
-              <a:rPr lang="zh-CN" altLang="en-US" sz="1600" dirty="0">
+              <a:rPr lang="zh-CN" altLang="en-US" sz="3200" b="1" spc="300" dirty="0">
                 <a:solidFill>
                   <a:schemeClr val="tx1">
-                    <a:lumMod val="85000"/>
-                    <a:lumOff val="15000"/>
+                    <a:lumMod val="95000"/>
+                    <a:lumOff val="5000"/>
                   </a:schemeClr>
                 </a:solidFill>
-                <a:latin typeface="Century Gothic" panose="020B0502020202020204" pitchFamily="34" charset="0"/>
-                <a:cs typeface="+mn-ea"/>
-                <a:sym typeface="+mn-lt"/>
+                <a:latin typeface="幼圆" panose="02010509060101010101" pitchFamily="49" charset="-122"/>
+                <a:ea typeface="幼圆" panose="02010509060101010101" pitchFamily="49" charset="-122"/>
               </a:rPr>
-              <a:t>盒图类似流程图，不同之处是盒图可以表示程序的结构；</a:t>
-            </a:r>
-            <a:r>
-              <a:rPr lang="en-US" altLang="zh-CN" sz="1600" dirty="0">
-                <a:solidFill>
-                  <a:schemeClr val="tx1">
-                    <a:lumMod val="85000"/>
-                    <a:lumOff val="15000"/>
-                  </a:schemeClr>
-                </a:solidFill>
-                <a:latin typeface="Century Gothic" panose="020B0502020202020204" pitchFamily="34" charset="0"/>
-                <a:cs typeface="+mn-ea"/>
-                <a:sym typeface="+mn-lt"/>
-              </a:rPr>
-              <a:t>PAD</a:t>
-            </a:r>
-            <a:r>
-              <a:rPr lang="zh-CN" altLang="en-US" sz="1600" dirty="0">
-                <a:solidFill>
-                  <a:schemeClr val="tx1">
-                    <a:lumMod val="85000"/>
-                    <a:lumOff val="15000"/>
-                  </a:schemeClr>
-                </a:solidFill>
-                <a:latin typeface="Century Gothic" panose="020B0502020202020204" pitchFamily="34" charset="0"/>
-                <a:cs typeface="+mn-ea"/>
-                <a:sym typeface="+mn-lt"/>
-              </a:rPr>
-              <a:t>图是一种由左往右展开的二维树型结构</a:t>
-            </a:r>
-            <a:r>
-              <a:rPr lang="en-US" altLang="zh-CN" sz="1600" dirty="0">
-                <a:solidFill>
-                  <a:schemeClr val="tx1">
-                    <a:lumMod val="85000"/>
-                    <a:lumOff val="15000"/>
-                  </a:schemeClr>
-                </a:solidFill>
-                <a:latin typeface="Century Gothic" panose="020B0502020202020204" pitchFamily="34" charset="0"/>
-                <a:cs typeface="+mn-ea"/>
-                <a:sym typeface="+mn-lt"/>
-              </a:rPr>
-              <a:t>.PAD</a:t>
-            </a:r>
-            <a:r>
-              <a:rPr lang="zh-CN" altLang="en-US" sz="1600" dirty="0">
-                <a:solidFill>
-                  <a:schemeClr val="tx1">
-                    <a:lumMod val="85000"/>
-                    <a:lumOff val="15000"/>
-                  </a:schemeClr>
-                </a:solidFill>
-                <a:latin typeface="Century Gothic" panose="020B0502020202020204" pitchFamily="34" charset="0"/>
-                <a:cs typeface="+mn-ea"/>
-                <a:sym typeface="+mn-lt"/>
-              </a:rPr>
-              <a:t>图的控制流程为自上而下</a:t>
-            </a:r>
-            <a:r>
-              <a:rPr lang="en-US" altLang="zh-CN" sz="1600" dirty="0">
-                <a:solidFill>
-                  <a:schemeClr val="tx1">
-                    <a:lumMod val="85000"/>
-                    <a:lumOff val="15000"/>
-                  </a:schemeClr>
-                </a:solidFill>
-                <a:latin typeface="Century Gothic" panose="020B0502020202020204" pitchFamily="34" charset="0"/>
-                <a:cs typeface="+mn-ea"/>
-                <a:sym typeface="+mn-lt"/>
-              </a:rPr>
-              <a:t>,</a:t>
-            </a:r>
-            <a:r>
-              <a:rPr lang="zh-CN" altLang="en-US" sz="1600" dirty="0">
-                <a:solidFill>
-                  <a:schemeClr val="tx1">
-                    <a:lumMod val="85000"/>
-                    <a:lumOff val="15000"/>
-                  </a:schemeClr>
-                </a:solidFill>
-                <a:latin typeface="Century Gothic" panose="020B0502020202020204" pitchFamily="34" charset="0"/>
-                <a:cs typeface="+mn-ea"/>
-                <a:sym typeface="+mn-lt"/>
-              </a:rPr>
-              <a:t>从左到右地执行</a:t>
-            </a:r>
-            <a:r>
-              <a:rPr lang="en-US" altLang="zh-CN" sz="1600" dirty="0">
-                <a:solidFill>
-                  <a:schemeClr val="tx1">
-                    <a:lumMod val="85000"/>
-                    <a:lumOff val="15000"/>
-                  </a:schemeClr>
-                </a:solidFill>
-                <a:latin typeface="Century Gothic" panose="020B0502020202020204" pitchFamily="34" charset="0"/>
-                <a:cs typeface="+mn-ea"/>
-                <a:sym typeface="+mn-lt"/>
-              </a:rPr>
-              <a:t>.</a:t>
+              <a:t>业务流图</a:t>
             </a:r>
           </a:p>
         </p:txBody>
       </p:sp>
       <p:pic>
         <p:nvPicPr>
-          <p:cNvPr id="5" name="图片 4">
+          <p:cNvPr id="6" name="Picture 4">
             <a:extLst>
               <a:ext uri="{FF2B5EF4-FFF2-40B4-BE49-F238E27FC236}">
-                <a16:creationId xmlns:a16="http://schemas.microsoft.com/office/drawing/2014/main" id="{9C04B304-6656-433E-B7D0-D863B2CA3956}"/>
+                <a16:creationId xmlns:a16="http://schemas.microsoft.com/office/drawing/2014/main" id="{5FCD5207-A17D-4C7D-8AC4-B1A1F1ABAF9E}"/>
               </a:ext>
             </a:extLst>
           </p:cNvPr>
           <p:cNvPicPr>
-            <a:picLocks noChangeAspect="1"/>
+            <a:picLocks noChangeAspect="1" noChangeArrowheads="1"/>
           </p:cNvPicPr>
           <p:nvPr/>
         </p:nvPicPr>
-        <p:blipFill rotWithShape="1">
-          <a:blip r:embed="rId2"/>
-          <a:srcRect t="17011" r="14571"/>
-          <a:stretch/>
+        <p:blipFill>
+          <a:blip r:embed="rId2">
+            <a:extLst>
+              <a:ext uri="{28A0092B-C50C-407E-A947-70E740481C1C}">
+                <a14:useLocalDpi xmlns:a14="http://schemas.microsoft.com/office/drawing/2010/main" val="0"/>
+              </a:ext>
+            </a:extLst>
+          </a:blip>
+          <a:srcRect r="37665" b="29099"/>
+          <a:stretch>
+            <a:fillRect/>
+          </a:stretch>
         </p:blipFill>
-        <p:spPr>
+        <p:spPr bwMode="auto">
           <a:xfrm>
-            <a:off x="6512275" y="860388"/>
-            <a:ext cx="5313557" cy="4001268"/>
+            <a:off x="2003071" y="2174176"/>
+            <a:ext cx="4214205" cy="3719182"/>
           </a:xfrm>
           <a:prstGeom prst="rect">
             <a:avLst/>
           </a:prstGeom>
+          <a:noFill/>
+          <a:ln>
+            <a:noFill/>
+          </a:ln>
+          <a:extLst>
+            <a:ext uri="{909E8E84-426E-40DD-AFC4-6F175D3DCCD1}">
+              <a14:hiddenFill xmlns:a14="http://schemas.microsoft.com/office/drawing/2010/main">
+                <a:solidFill>
+                  <a:srgbClr val="FFFFFF"/>
+                </a:solidFill>
+              </a14:hiddenFill>
+            </a:ext>
+            <a:ext uri="{91240B29-F687-4F45-9708-019B960494DF}">
+              <a14:hiddenLine xmlns:a14="http://schemas.microsoft.com/office/drawing/2010/main" w="9525">
+                <a:solidFill>
+                  <a:srgbClr val="000000"/>
+                </a:solidFill>
+                <a:miter lim="800000"/>
+                <a:headEnd/>
+                <a:tailEnd/>
+              </a14:hiddenLine>
+            </a:ext>
+          </a:extLst>
         </p:spPr>
       </p:pic>
+    </p:spTree>
+    <p:extLst>
+      <p:ext uri="{BB962C8B-B14F-4D97-AF65-F5344CB8AC3E}">
+        <p14:creationId xmlns:p14="http://schemas.microsoft.com/office/powerpoint/2010/main" val="1572371257"/>
+      </p:ext>
+    </p:extLst>
+  </p:cSld>
+  <p:clrMapOvr>
+    <a:masterClrMapping/>
+  </p:clrMapOvr>
+  <mc:AlternateContent xmlns:mc="http://schemas.openxmlformats.org/markup-compatibility/2006" xmlns:p14="http://schemas.microsoft.com/office/powerpoint/2010/main">
+    <mc:Choice Requires="p14">
+      <p:transition spd="slow" p14:dur="1500">
+        <p:random/>
+      </p:transition>
+    </mc:Choice>
+    <mc:Fallback xmlns="">
+      <p:transition spd="slow">
+        <p:random/>
+      </p:transition>
+    </mc:Fallback>
+  </mc:AlternateContent>
+  <p:timing>
+    <p:tnLst>
+      <p:par>
+        <p:cTn id="1" dur="indefinite" restart="never" nodeType="tmRoot">
+          <p:childTnLst>
+            <p:seq concurrent="1" nextAc="seek">
+              <p:cTn id="2" dur="indefinite" nodeType="mainSeq">
+                <p:childTnLst>
+                  <p:par>
+                    <p:cTn id="3" fill="hold">
+                      <p:stCondLst>
+                        <p:cond delay="indefinite"/>
+                      </p:stCondLst>
+                      <p:childTnLst>
+                        <p:par>
+                          <p:cTn id="4" fill="hold">
+                            <p:stCondLst>
+                              <p:cond delay="0"/>
+                            </p:stCondLst>
+                            <p:childTnLst>
+                              <p:par>
+                                <p:cTn id="5" presetID="2" presetClass="entr" presetSubtype="4" fill="hold" grpId="0" nodeType="clickEffect">
+                                  <p:stCondLst>
+                                    <p:cond delay="0"/>
+                                  </p:stCondLst>
+                                  <p:childTnLst>
+                                    <p:set>
+                                      <p:cBhvr>
+                                        <p:cTn id="6" dur="1" fill="hold">
+                                          <p:stCondLst>
+                                            <p:cond delay="0"/>
+                                          </p:stCondLst>
+                                        </p:cTn>
+                                        <p:tgtEl>
+                                          <p:spTgt spid="5"/>
+                                        </p:tgtEl>
+                                        <p:attrNameLst>
+                                          <p:attrName>style.visibility</p:attrName>
+                                        </p:attrNameLst>
+                                      </p:cBhvr>
+                                      <p:to>
+                                        <p:strVal val="visible"/>
+                                      </p:to>
+                                    </p:set>
+                                    <p:anim calcmode="lin" valueType="num">
+                                      <p:cBhvr additive="base">
+                                        <p:cTn id="7" dur="500" fill="hold"/>
+                                        <p:tgtEl>
+                                          <p:spTgt spid="5"/>
+                                        </p:tgtEl>
+                                        <p:attrNameLst>
+                                          <p:attrName>ppt_x</p:attrName>
+                                        </p:attrNameLst>
+                                      </p:cBhvr>
+                                      <p:tavLst>
+                                        <p:tav tm="0">
+                                          <p:val>
+                                            <p:strVal val="#ppt_x"/>
+                                          </p:val>
+                                        </p:tav>
+                                        <p:tav tm="100000">
+                                          <p:val>
+                                            <p:strVal val="#ppt_x"/>
+                                          </p:val>
+                                        </p:tav>
+                                      </p:tavLst>
+                                    </p:anim>
+                                    <p:anim calcmode="lin" valueType="num">
+                                      <p:cBhvr additive="base">
+                                        <p:cTn id="8" dur="500" fill="hold"/>
+                                        <p:tgtEl>
+                                          <p:spTgt spid="5"/>
+                                        </p:tgtEl>
+                                        <p:attrNameLst>
+                                          <p:attrName>ppt_y</p:attrName>
+                                        </p:attrNameLst>
+                                      </p:cBhvr>
+                                      <p:tavLst>
+                                        <p:tav tm="0">
+                                          <p:val>
+                                            <p:strVal val="1+#ppt_h/2"/>
+                                          </p:val>
+                                        </p:tav>
+                                        <p:tav tm="100000">
+                                          <p:val>
+                                            <p:strVal val="#ppt_y"/>
+                                          </p:val>
+                                        </p:tav>
+                                      </p:tavLst>
+                                    </p:anim>
+                                  </p:childTnLst>
+                                </p:cTn>
+                              </p:par>
+                              <p:par>
+                                <p:cTn id="9" presetID="42" presetClass="entr" presetSubtype="0" fill="hold" nodeType="withEffect">
+                                  <p:stCondLst>
+                                    <p:cond delay="0"/>
+                                  </p:stCondLst>
+                                  <p:childTnLst>
+                                    <p:set>
+                                      <p:cBhvr>
+                                        <p:cTn id="10" dur="1" fill="hold">
+                                          <p:stCondLst>
+                                            <p:cond delay="0"/>
+                                          </p:stCondLst>
+                                        </p:cTn>
+                                        <p:tgtEl>
+                                          <p:spTgt spid="6"/>
+                                        </p:tgtEl>
+                                        <p:attrNameLst>
+                                          <p:attrName>style.visibility</p:attrName>
+                                        </p:attrNameLst>
+                                      </p:cBhvr>
+                                      <p:to>
+                                        <p:strVal val="visible"/>
+                                      </p:to>
+                                    </p:set>
+                                    <p:animEffect transition="in" filter="fade">
+                                      <p:cBhvr>
+                                        <p:cTn id="11" dur="1000"/>
+                                        <p:tgtEl>
+                                          <p:spTgt spid="6"/>
+                                        </p:tgtEl>
+                                      </p:cBhvr>
+                                    </p:animEffect>
+                                    <p:anim calcmode="lin" valueType="num">
+                                      <p:cBhvr>
+                                        <p:cTn id="12" dur="1000" fill="hold"/>
+                                        <p:tgtEl>
+                                          <p:spTgt spid="6"/>
+                                        </p:tgtEl>
+                                        <p:attrNameLst>
+                                          <p:attrName>ppt_x</p:attrName>
+                                        </p:attrNameLst>
+                                      </p:cBhvr>
+                                      <p:tavLst>
+                                        <p:tav tm="0">
+                                          <p:val>
+                                            <p:strVal val="#ppt_x"/>
+                                          </p:val>
+                                        </p:tav>
+                                        <p:tav tm="100000">
+                                          <p:val>
+                                            <p:strVal val="#ppt_x"/>
+                                          </p:val>
+                                        </p:tav>
+                                      </p:tavLst>
+                                    </p:anim>
+                                    <p:anim calcmode="lin" valueType="num">
+                                      <p:cBhvr>
+                                        <p:cTn id="13" dur="1000" fill="hold"/>
+                                        <p:tgtEl>
+                                          <p:spTgt spid="6"/>
+                                        </p:tgtEl>
+                                        <p:attrNameLst>
+                                          <p:attrName>ppt_y</p:attrName>
+                                        </p:attrNameLst>
+                                      </p:cBhvr>
+                                      <p:tavLst>
+                                        <p:tav tm="0">
+                                          <p:val>
+                                            <p:strVal val="#ppt_y+.1"/>
+                                          </p:val>
+                                        </p:tav>
+                                        <p:tav tm="100000">
+                                          <p:val>
+                                            <p:strVal val="#ppt_y"/>
+                                          </p:val>
+                                        </p:tav>
+                                      </p:tavLst>
+                                    </p:anim>
+                                  </p:childTnLst>
+                                </p:cTn>
+                              </p:par>
+                            </p:childTnLst>
+                          </p:cTn>
+                        </p:par>
+                      </p:childTnLst>
+                    </p:cTn>
+                  </p:par>
+                </p:childTnLst>
+              </p:cTn>
+              <p:prevCondLst>
+                <p:cond evt="onPrev" delay="0">
+                  <p:tgtEl>
+                    <p:sldTgt/>
+                  </p:tgtEl>
+                </p:cond>
+              </p:prevCondLst>
+              <p:nextCondLst>
+                <p:cond evt="onNext" delay="0">
+                  <p:tgtEl>
+                    <p:sldTgt/>
+                  </p:tgtEl>
+                </p:cond>
+              </p:nextCondLst>
+            </p:seq>
+          </p:childTnLst>
+        </p:cTn>
+      </p:par>
+    </p:tnLst>
+    <p:bldLst>
+      <p:bldP spid="5" grpId="0"/>
+    </p:bldLst>
+  </p:timing>
+</p:sld>
+</file>
+
+<file path=ppt/slides/slide8.xml><?xml version="1.0" encoding="utf-8"?>
+<p:sld xmlns:a="http://schemas.openxmlformats.org/drawingml/2006/main" xmlns:r="http://schemas.openxmlformats.org/officeDocument/2006/relationships" xmlns:p="http://schemas.openxmlformats.org/presentationml/2006/main">
+  <p:cSld>
+    <p:spTree>
+      <p:nvGrpSpPr>
+        <p:cNvPr id="1" name=""/>
+        <p:cNvGrpSpPr/>
+        <p:nvPr/>
+      </p:nvGrpSpPr>
+      <p:grpSpPr>
+        <a:xfrm>
+          <a:off x="0" y="0"/>
+          <a:ext cx="0" cy="0"/>
+          <a:chOff x="0" y="0"/>
+          <a:chExt cx="0" cy="0"/>
+        </a:xfrm>
+      </p:grpSpPr>
+      <p:sp>
+        <p:nvSpPr>
+          <p:cNvPr id="3" name="任意形状 15">
+            <a:extLst>
+              <a:ext uri="{FF2B5EF4-FFF2-40B4-BE49-F238E27FC236}">
+                <a16:creationId xmlns:a16="http://schemas.microsoft.com/office/drawing/2014/main" id="{B9A42727-6396-46B3-9609-75385800D705}"/>
+              </a:ext>
+            </a:extLst>
+          </p:cNvPr>
+          <p:cNvSpPr/>
+          <p:nvPr/>
+        </p:nvSpPr>
+        <p:spPr>
+          <a:xfrm flipH="1">
+            <a:off x="10961244" y="5257471"/>
+            <a:ext cx="1230756" cy="327164"/>
+          </a:xfrm>
+          <a:custGeom>
+            <a:avLst/>
+            <a:gdLst>
+              <a:gd name="connsiteX0" fmla="*/ 0 w 1230756"/>
+              <a:gd name="connsiteY0" fmla="*/ 0 h 327164"/>
+              <a:gd name="connsiteX1" fmla="*/ 883253 w 1230756"/>
+              <a:gd name="connsiteY1" fmla="*/ 0 h 327164"/>
+              <a:gd name="connsiteX2" fmla="*/ 883253 w 1230756"/>
+              <a:gd name="connsiteY2" fmla="*/ 1 h 327164"/>
+              <a:gd name="connsiteX3" fmla="*/ 1230756 w 1230756"/>
+              <a:gd name="connsiteY3" fmla="*/ 1 h 327164"/>
+              <a:gd name="connsiteX4" fmla="*/ 1067175 w 1230756"/>
+              <a:gd name="connsiteY4" fmla="*/ 163583 h 327164"/>
+              <a:gd name="connsiteX5" fmla="*/ 1230756 w 1230756"/>
+              <a:gd name="connsiteY5" fmla="*/ 327164 h 327164"/>
+              <a:gd name="connsiteX6" fmla="*/ 787067 w 1230756"/>
+              <a:gd name="connsiteY6" fmla="*/ 327164 h 327164"/>
+              <a:gd name="connsiteX7" fmla="*/ 787067 w 1230756"/>
+              <a:gd name="connsiteY7" fmla="*/ 327163 h 327164"/>
+              <a:gd name="connsiteX8" fmla="*/ 0 w 1230756"/>
+              <a:gd name="connsiteY8" fmla="*/ 327163 h 327164"/>
+            </a:gdLst>
+            <a:ahLst/>
+            <a:cxnLst>
+              <a:cxn ang="0">
+                <a:pos x="connsiteX0" y="connsiteY0"/>
+              </a:cxn>
+              <a:cxn ang="0">
+                <a:pos x="connsiteX1" y="connsiteY1"/>
+              </a:cxn>
+              <a:cxn ang="0">
+                <a:pos x="connsiteX2" y="connsiteY2"/>
+              </a:cxn>
+              <a:cxn ang="0">
+                <a:pos x="connsiteX3" y="connsiteY3"/>
+              </a:cxn>
+              <a:cxn ang="0">
+                <a:pos x="connsiteX4" y="connsiteY4"/>
+              </a:cxn>
+              <a:cxn ang="0">
+                <a:pos x="connsiteX5" y="connsiteY5"/>
+              </a:cxn>
+              <a:cxn ang="0">
+                <a:pos x="connsiteX6" y="connsiteY6"/>
+              </a:cxn>
+              <a:cxn ang="0">
+                <a:pos x="connsiteX7" y="connsiteY7"/>
+              </a:cxn>
+              <a:cxn ang="0">
+                <a:pos x="connsiteX8" y="connsiteY8"/>
+              </a:cxn>
+            </a:cxnLst>
+            <a:rect l="l" t="t" r="r" b="b"/>
+            <a:pathLst>
+              <a:path w="1230756" h="327164">
+                <a:moveTo>
+                  <a:pt x="0" y="0"/>
+                </a:moveTo>
+                <a:lnTo>
+                  <a:pt x="883253" y="0"/>
+                </a:lnTo>
+                <a:lnTo>
+                  <a:pt x="883253" y="1"/>
+                </a:lnTo>
+                <a:lnTo>
+                  <a:pt x="1230756" y="1"/>
+                </a:lnTo>
+                <a:lnTo>
+                  <a:pt x="1067175" y="163583"/>
+                </a:lnTo>
+                <a:lnTo>
+                  <a:pt x="1230756" y="327164"/>
+                </a:lnTo>
+                <a:lnTo>
+                  <a:pt x="787067" y="327164"/>
+                </a:lnTo>
+                <a:lnTo>
+                  <a:pt x="787067" y="327163"/>
+                </a:lnTo>
+                <a:lnTo>
+                  <a:pt x="0" y="327163"/>
+                </a:lnTo>
+                <a:close/>
+              </a:path>
+            </a:pathLst>
+          </a:custGeom>
+          <a:solidFill>
+            <a:srgbClr val="A14F4C"/>
+          </a:solidFill>
+          <a:ln>
+            <a:noFill/>
+          </a:ln>
+          <a:effectLst/>
+        </p:spPr>
+        <p:style>
+          <a:lnRef idx="2">
+            <a:schemeClr val="accent1">
+              <a:shade val="50000"/>
+            </a:schemeClr>
+          </a:lnRef>
+          <a:fillRef idx="1">
+            <a:schemeClr val="accent1"/>
+          </a:fillRef>
+          <a:effectRef idx="0">
+            <a:schemeClr val="accent1"/>
+          </a:effectRef>
+          <a:fontRef idx="minor">
+            <a:schemeClr val="lt1"/>
+          </a:fontRef>
+        </p:style>
+        <p:txBody>
+          <a:bodyPr rtlCol="0" anchor="ctr"/>
+          <a:lstStyle/>
+          <a:p>
+            <a:pPr algn="ctr"/>
+            <a:endParaRPr kumimoji="1" lang="zh-CN" altLang="en-US"/>
+          </a:p>
+        </p:txBody>
+      </p:sp>
       <p:sp>
         <p:nvSpPr>
           <p:cNvPr id="7" name="文本框 6">
@@ -15938,10 +16411,10 @@
       </p:sp>
       <p:pic>
         <p:nvPicPr>
-          <p:cNvPr id="8" name="图片 7">
+          <p:cNvPr id="6" name="图片 5">
             <a:extLst>
               <a:ext uri="{FF2B5EF4-FFF2-40B4-BE49-F238E27FC236}">
-                <a16:creationId xmlns:a16="http://schemas.microsoft.com/office/drawing/2014/main" id="{EBD9852B-5143-4E67-9C8F-FAAD5547B84B}"/>
+                <a16:creationId xmlns:a16="http://schemas.microsoft.com/office/drawing/2014/main" id="{3874A9C2-4BB0-416D-97F8-86BCD027B719}"/>
               </a:ext>
             </a:extLst>
           </p:cNvPr>
@@ -15950,78 +16423,28 @@
           </p:cNvPicPr>
           <p:nvPr/>
         </p:nvPicPr>
-        <p:blipFill rotWithShape="1">
-          <a:blip r:embed="rId3"/>
-          <a:srcRect l="5074" t="2795" r="36344" b="23604"/>
-          <a:stretch/>
+        <p:blipFill>
+          <a:blip r:embed="rId2">
+            <a:extLst>
+              <a:ext uri="{28A0092B-C50C-407E-A947-70E740481C1C}">
+                <a14:useLocalDpi xmlns:a14="http://schemas.microsoft.com/office/drawing/2010/main" val="0"/>
+              </a:ext>
+            </a:extLst>
+          </a:blip>
+          <a:stretch>
+            <a:fillRect/>
+          </a:stretch>
         </p:blipFill>
         <p:spPr>
           <a:xfrm>
-            <a:off x="1842253" y="921758"/>
-            <a:ext cx="4045477" cy="3939898"/>
+            <a:off x="1537455" y="1363900"/>
+            <a:ext cx="6317793" cy="4897378"/>
           </a:xfrm>
           <a:prstGeom prst="rect">
             <a:avLst/>
           </a:prstGeom>
         </p:spPr>
       </p:pic>
-      <p:sp>
-        <p:nvSpPr>
-          <p:cNvPr id="9" name="文本框 8">
-            <a:extLst>
-              <a:ext uri="{FF2B5EF4-FFF2-40B4-BE49-F238E27FC236}">
-                <a16:creationId xmlns:a16="http://schemas.microsoft.com/office/drawing/2014/main" id="{EF8A0ED7-6837-458F-BD7D-90EA0A529FEB}"/>
-              </a:ext>
-            </a:extLst>
-          </p:cNvPr>
-          <p:cNvSpPr txBox="1"/>
-          <p:nvPr/>
-        </p:nvSpPr>
-        <p:spPr>
-          <a:xfrm>
-            <a:off x="6546396" y="172185"/>
-            <a:ext cx="1536580" cy="584775"/>
-          </a:xfrm>
-          <a:prstGeom prst="rect">
-            <a:avLst/>
-          </a:prstGeom>
-          <a:noFill/>
-        </p:spPr>
-        <p:txBody>
-          <a:bodyPr wrap="square" rtlCol="0">
-            <a:spAutoFit/>
-          </a:bodyPr>
-          <a:lstStyle/>
-          <a:p>
-            <a:r>
-              <a:rPr lang="en-US" altLang="zh-CN" sz="3200" b="1" spc="300" dirty="0">
-                <a:solidFill>
-                  <a:schemeClr val="tx1">
-                    <a:lumMod val="95000"/>
-                    <a:lumOff val="5000"/>
-                  </a:schemeClr>
-                </a:solidFill>
-                <a:latin typeface="幼圆" panose="02010509060101010101" pitchFamily="49" charset="-122"/>
-                <a:ea typeface="幼圆" panose="02010509060101010101" pitchFamily="49" charset="-122"/>
-              </a:rPr>
-              <a:t>PAD</a:t>
-            </a:r>
-            <a:r>
-              <a:rPr lang="zh-CN" altLang="en-US" sz="3200" b="1" spc="300" dirty="0">
-                <a:solidFill>
-                  <a:schemeClr val="tx1">
-                    <a:lumMod val="95000"/>
-                    <a:lumOff val="5000"/>
-                  </a:schemeClr>
-                </a:solidFill>
-                <a:latin typeface="幼圆" panose="02010509060101010101" pitchFamily="49" charset="-122"/>
-                <a:ea typeface="幼圆" panose="02010509060101010101" pitchFamily="49" charset="-122"/>
-              </a:rPr>
-              <a:t>图</a:t>
-            </a:r>
-          </a:p>
-        </p:txBody>
-      </p:sp>
     </p:spTree>
     <p:extLst>
       <p:ext uri="{BB962C8B-B14F-4D97-AF65-F5344CB8AC3E}">
@@ -16145,366 +16568,6 @@
                                   </p:childTnLst>
                                 </p:cTn>
                               </p:par>
-                              <p:par>
-                                <p:cTn id="10" presetID="42" presetClass="entr" presetSubtype="0" fill="hold" nodeType="withEffect">
-                                  <p:stCondLst>
-                                    <p:cond delay="0"/>
-                                  </p:stCondLst>
-                                  <p:childTnLst>
-                                    <p:set>
-                                      <p:cBhvr>
-                                        <p:cTn id="11" dur="1" fill="hold">
-                                          <p:stCondLst>
-                                            <p:cond delay="0"/>
-                                          </p:stCondLst>
-                                        </p:cTn>
-                                        <p:tgtEl>
-                                          <p:spTgt spid="8"/>
-                                        </p:tgtEl>
-                                        <p:attrNameLst>
-                                          <p:attrName>style.visibility</p:attrName>
-                                        </p:attrNameLst>
-                                      </p:cBhvr>
-                                      <p:to>
-                                        <p:strVal val="visible"/>
-                                      </p:to>
-                                    </p:set>
-                                    <p:animEffect transition="in" filter="fade">
-                                      <p:cBhvr>
-                                        <p:cTn id="12" dur="1000"/>
-                                        <p:tgtEl>
-                                          <p:spTgt spid="8"/>
-                                        </p:tgtEl>
-                                      </p:cBhvr>
-                                    </p:animEffect>
-                                    <p:anim calcmode="lin" valueType="num">
-                                      <p:cBhvr>
-                                        <p:cTn id="13" dur="1000" fill="hold"/>
-                                        <p:tgtEl>
-                                          <p:spTgt spid="8"/>
-                                        </p:tgtEl>
-                                        <p:attrNameLst>
-                                          <p:attrName>ppt_x</p:attrName>
-                                        </p:attrNameLst>
-                                      </p:cBhvr>
-                                      <p:tavLst>
-                                        <p:tav tm="0">
-                                          <p:val>
-                                            <p:strVal val="#ppt_x"/>
-                                          </p:val>
-                                        </p:tav>
-                                        <p:tav tm="100000">
-                                          <p:val>
-                                            <p:strVal val="#ppt_x"/>
-                                          </p:val>
-                                        </p:tav>
-                                      </p:tavLst>
-                                    </p:anim>
-                                    <p:anim calcmode="lin" valueType="num">
-                                      <p:cBhvr>
-                                        <p:cTn id="14" dur="1000" fill="hold"/>
-                                        <p:tgtEl>
-                                          <p:spTgt spid="8"/>
-                                        </p:tgtEl>
-                                        <p:attrNameLst>
-                                          <p:attrName>ppt_y</p:attrName>
-                                        </p:attrNameLst>
-                                      </p:cBhvr>
-                                      <p:tavLst>
-                                        <p:tav tm="0">
-                                          <p:val>
-                                            <p:strVal val="#ppt_y+.1"/>
-                                          </p:val>
-                                        </p:tav>
-                                        <p:tav tm="100000">
-                                          <p:val>
-                                            <p:strVal val="#ppt_y"/>
-                                          </p:val>
-                                        </p:tav>
-                                      </p:tavLst>
-                                    </p:anim>
-                                  </p:childTnLst>
-                                </p:cTn>
-                              </p:par>
-                            </p:childTnLst>
-                          </p:cTn>
-                        </p:par>
-                      </p:childTnLst>
-                    </p:cTn>
-                  </p:par>
-                  <p:par>
-                    <p:cTn id="15" fill="hold">
-                      <p:stCondLst>
-                        <p:cond delay="indefinite"/>
-                      </p:stCondLst>
-                      <p:childTnLst>
-                        <p:par>
-                          <p:cTn id="16" fill="hold">
-                            <p:stCondLst>
-                              <p:cond delay="0"/>
-                            </p:stCondLst>
-                            <p:childTnLst>
-                              <p:par>
-                                <p:cTn id="17" presetID="42" presetClass="entr" presetSubtype="0" fill="hold" grpId="0" nodeType="clickEffect">
-                                  <p:stCondLst>
-                                    <p:cond delay="0"/>
-                                  </p:stCondLst>
-                                  <p:childTnLst>
-                                    <p:set>
-                                      <p:cBhvr>
-                                        <p:cTn id="18" dur="1" fill="hold">
-                                          <p:stCondLst>
-                                            <p:cond delay="0"/>
-                                          </p:stCondLst>
-                                        </p:cTn>
-                                        <p:tgtEl>
-                                          <p:spTgt spid="9"/>
-                                        </p:tgtEl>
-                                        <p:attrNameLst>
-                                          <p:attrName>style.visibility</p:attrName>
-                                        </p:attrNameLst>
-                                      </p:cBhvr>
-                                      <p:to>
-                                        <p:strVal val="visible"/>
-                                      </p:to>
-                                    </p:set>
-                                    <p:animEffect transition="in" filter="fade">
-                                      <p:cBhvr>
-                                        <p:cTn id="19" dur="1000"/>
-                                        <p:tgtEl>
-                                          <p:spTgt spid="9"/>
-                                        </p:tgtEl>
-                                      </p:cBhvr>
-                                    </p:animEffect>
-                                    <p:anim calcmode="lin" valueType="num">
-                                      <p:cBhvr>
-                                        <p:cTn id="20" dur="1000" fill="hold"/>
-                                        <p:tgtEl>
-                                          <p:spTgt spid="9"/>
-                                        </p:tgtEl>
-                                        <p:attrNameLst>
-                                          <p:attrName>ppt_x</p:attrName>
-                                        </p:attrNameLst>
-                                      </p:cBhvr>
-                                      <p:tavLst>
-                                        <p:tav tm="0">
-                                          <p:val>
-                                            <p:strVal val="#ppt_x"/>
-                                          </p:val>
-                                        </p:tav>
-                                        <p:tav tm="100000">
-                                          <p:val>
-                                            <p:strVal val="#ppt_x"/>
-                                          </p:val>
-                                        </p:tav>
-                                      </p:tavLst>
-                                    </p:anim>
-                                    <p:anim calcmode="lin" valueType="num">
-                                      <p:cBhvr>
-                                        <p:cTn id="21" dur="1000" fill="hold"/>
-                                        <p:tgtEl>
-                                          <p:spTgt spid="9"/>
-                                        </p:tgtEl>
-                                        <p:attrNameLst>
-                                          <p:attrName>ppt_y</p:attrName>
-                                        </p:attrNameLst>
-                                      </p:cBhvr>
-                                      <p:tavLst>
-                                        <p:tav tm="0">
-                                          <p:val>
-                                            <p:strVal val="#ppt_y+.1"/>
-                                          </p:val>
-                                        </p:tav>
-                                        <p:tav tm="100000">
-                                          <p:val>
-                                            <p:strVal val="#ppt_y"/>
-                                          </p:val>
-                                        </p:tav>
-                                      </p:tavLst>
-                                    </p:anim>
-                                  </p:childTnLst>
-                                </p:cTn>
-                              </p:par>
-                              <p:par>
-                                <p:cTn id="22" presetID="42" presetClass="entr" presetSubtype="0" fill="hold" nodeType="withEffect">
-                                  <p:stCondLst>
-                                    <p:cond delay="0"/>
-                                  </p:stCondLst>
-                                  <p:childTnLst>
-                                    <p:set>
-                                      <p:cBhvr>
-                                        <p:cTn id="23" dur="1" fill="hold">
-                                          <p:stCondLst>
-                                            <p:cond delay="0"/>
-                                          </p:stCondLst>
-                                        </p:cTn>
-                                        <p:tgtEl>
-                                          <p:spTgt spid="5"/>
-                                        </p:tgtEl>
-                                        <p:attrNameLst>
-                                          <p:attrName>style.visibility</p:attrName>
-                                        </p:attrNameLst>
-                                      </p:cBhvr>
-                                      <p:to>
-                                        <p:strVal val="visible"/>
-                                      </p:to>
-                                    </p:set>
-                                    <p:animEffect transition="in" filter="fade">
-                                      <p:cBhvr>
-                                        <p:cTn id="24" dur="1000"/>
-                                        <p:tgtEl>
-                                          <p:spTgt spid="5"/>
-                                        </p:tgtEl>
-                                      </p:cBhvr>
-                                    </p:animEffect>
-                                    <p:anim calcmode="lin" valueType="num">
-                                      <p:cBhvr>
-                                        <p:cTn id="25" dur="1000" fill="hold"/>
-                                        <p:tgtEl>
-                                          <p:spTgt spid="5"/>
-                                        </p:tgtEl>
-                                        <p:attrNameLst>
-                                          <p:attrName>ppt_x</p:attrName>
-                                        </p:attrNameLst>
-                                      </p:cBhvr>
-                                      <p:tavLst>
-                                        <p:tav tm="0">
-                                          <p:val>
-                                            <p:strVal val="#ppt_x"/>
-                                          </p:val>
-                                        </p:tav>
-                                        <p:tav tm="100000">
-                                          <p:val>
-                                            <p:strVal val="#ppt_x"/>
-                                          </p:val>
-                                        </p:tav>
-                                      </p:tavLst>
-                                    </p:anim>
-                                    <p:anim calcmode="lin" valueType="num">
-                                      <p:cBhvr>
-                                        <p:cTn id="26" dur="1000" fill="hold"/>
-                                        <p:tgtEl>
-                                          <p:spTgt spid="5"/>
-                                        </p:tgtEl>
-                                        <p:attrNameLst>
-                                          <p:attrName>ppt_y</p:attrName>
-                                        </p:attrNameLst>
-                                      </p:cBhvr>
-                                      <p:tavLst>
-                                        <p:tav tm="0">
-                                          <p:val>
-                                            <p:strVal val="#ppt_y+.1"/>
-                                          </p:val>
-                                        </p:tav>
-                                        <p:tav tm="100000">
-                                          <p:val>
-                                            <p:strVal val="#ppt_y"/>
-                                          </p:val>
-                                        </p:tav>
-                                      </p:tavLst>
-                                    </p:anim>
-                                  </p:childTnLst>
-                                </p:cTn>
-                              </p:par>
-                            </p:childTnLst>
-                          </p:cTn>
-                        </p:par>
-                      </p:childTnLst>
-                    </p:cTn>
-                  </p:par>
-                  <p:par>
-                    <p:cTn id="27" fill="hold">
-                      <p:stCondLst>
-                        <p:cond delay="indefinite"/>
-                      </p:stCondLst>
-                      <p:childTnLst>
-                        <p:par>
-                          <p:cTn id="28" fill="hold">
-                            <p:stCondLst>
-                              <p:cond delay="0"/>
-                            </p:stCondLst>
-                            <p:childTnLst>
-                              <p:par>
-                                <p:cTn id="29" presetID="42" presetClass="entr" presetSubtype="0" fill="hold" grpId="0" nodeType="clickEffect">
-                                  <p:stCondLst>
-                                    <p:cond delay="0"/>
-                                  </p:stCondLst>
-                                  <p:childTnLst>
-                                    <p:set>
-                                      <p:cBhvr>
-                                        <p:cTn id="30" dur="1" fill="hold">
-                                          <p:stCondLst>
-                                            <p:cond delay="0"/>
-                                          </p:stCondLst>
-                                        </p:cTn>
-                                        <p:tgtEl>
-                                          <p:spTgt spid="4"/>
-                                        </p:tgtEl>
-                                        <p:attrNameLst>
-                                          <p:attrName>style.visibility</p:attrName>
-                                        </p:attrNameLst>
-                                      </p:cBhvr>
-                                      <p:to>
-                                        <p:strVal val="visible"/>
-                                      </p:to>
-                                    </p:set>
-                                    <p:animEffect transition="in" filter="fade">
-                                      <p:cBhvr>
-                                        <p:cTn id="31" dur="1000"/>
-                                        <p:tgtEl>
-                                          <p:spTgt spid="4"/>
-                                        </p:tgtEl>
-                                      </p:cBhvr>
-                                    </p:animEffect>
-                                    <p:anim calcmode="lin" valueType="num">
-                                      <p:cBhvr>
-                                        <p:cTn id="32" dur="1000" fill="hold"/>
-                                        <p:tgtEl>
-                                          <p:spTgt spid="4"/>
-                                        </p:tgtEl>
-                                        <p:attrNameLst>
-                                          <p:attrName>ppt_x</p:attrName>
-                                        </p:attrNameLst>
-                                      </p:cBhvr>
-                                      <p:tavLst>
-                                        <p:tav tm="0">
-                                          <p:val>
-                                            <p:strVal val="#ppt_x"/>
-                                          </p:val>
-                                        </p:tav>
-                                        <p:tav tm="100000">
-                                          <p:val>
-                                            <p:strVal val="#ppt_x"/>
-                                          </p:val>
-                                        </p:tav>
-                                      </p:tavLst>
-                                    </p:anim>
-                                    <p:anim calcmode="lin" valueType="num">
-                                      <p:cBhvr>
-                                        <p:cTn id="33" dur="1000" fill="hold"/>
-                                        <p:tgtEl>
-                                          <p:spTgt spid="4"/>
-                                        </p:tgtEl>
-                                        <p:attrNameLst>
-                                          <p:attrName>ppt_y</p:attrName>
-                                        </p:attrNameLst>
-                                      </p:cBhvr>
-                                      <p:tavLst>
-                                        <p:tav tm="0">
-                                          <p:val>
-                                            <p:strVal val="#ppt_y+.1"/>
-                                          </p:val>
-                                        </p:tav>
-                                        <p:tav tm="100000">
-                                          <p:val>
-                                            <p:strVal val="#ppt_y"/>
-                                          </p:val>
-                                        </p:tav>
-                                      </p:tavLst>
-                                    </p:anim>
-                                  </p:childTnLst>
-                                </p:cTn>
-                              </p:par>
                             </p:childTnLst>
                           </p:cTn>
                         </p:par>
@@ -16533,635 +16596,7 @@
       </p:par>
     </p:tnLst>
     <p:bldLst>
-      <p:bldP spid="4" grpId="0"/>
       <p:bldP spid="7" grpId="0"/>
-      <p:bldP spid="9" grpId="0"/>
-    </p:bldLst>
-  </p:timing>
-</p:sld>
-</file>
-
-<file path=ppt/slides/slide8.xml><?xml version="1.0" encoding="utf-8"?>
-<p:sld xmlns:a="http://schemas.openxmlformats.org/drawingml/2006/main" xmlns:r="http://schemas.openxmlformats.org/officeDocument/2006/relationships" xmlns:p="http://schemas.openxmlformats.org/presentationml/2006/main">
-  <p:cSld>
-    <p:spTree>
-      <p:nvGrpSpPr>
-        <p:cNvPr id="1" name=""/>
-        <p:cNvGrpSpPr/>
-        <p:nvPr/>
-      </p:nvGrpSpPr>
-      <p:grpSpPr>
-        <a:xfrm>
-          <a:off x="0" y="0"/>
-          <a:ext cx="0" cy="0"/>
-          <a:chOff x="0" y="0"/>
-          <a:chExt cx="0" cy="0"/>
-        </a:xfrm>
-      </p:grpSpPr>
-      <p:sp>
-        <p:nvSpPr>
-          <p:cNvPr id="3" name="任意形状 15">
-            <a:extLst>
-              <a:ext uri="{FF2B5EF4-FFF2-40B4-BE49-F238E27FC236}">
-                <a16:creationId xmlns:a16="http://schemas.microsoft.com/office/drawing/2014/main" id="{B9A42727-6396-46B3-9609-75385800D705}"/>
-              </a:ext>
-            </a:extLst>
-          </p:cNvPr>
-          <p:cNvSpPr/>
-          <p:nvPr/>
-        </p:nvSpPr>
-        <p:spPr>
-          <a:xfrm flipH="1">
-            <a:off x="10961244" y="5257471"/>
-            <a:ext cx="1230756" cy="327164"/>
-          </a:xfrm>
-          <a:custGeom>
-            <a:avLst/>
-            <a:gdLst>
-              <a:gd name="connsiteX0" fmla="*/ 0 w 1230756"/>
-              <a:gd name="connsiteY0" fmla="*/ 0 h 327164"/>
-              <a:gd name="connsiteX1" fmla="*/ 883253 w 1230756"/>
-              <a:gd name="connsiteY1" fmla="*/ 0 h 327164"/>
-              <a:gd name="connsiteX2" fmla="*/ 883253 w 1230756"/>
-              <a:gd name="connsiteY2" fmla="*/ 1 h 327164"/>
-              <a:gd name="connsiteX3" fmla="*/ 1230756 w 1230756"/>
-              <a:gd name="connsiteY3" fmla="*/ 1 h 327164"/>
-              <a:gd name="connsiteX4" fmla="*/ 1067175 w 1230756"/>
-              <a:gd name="connsiteY4" fmla="*/ 163583 h 327164"/>
-              <a:gd name="connsiteX5" fmla="*/ 1230756 w 1230756"/>
-              <a:gd name="connsiteY5" fmla="*/ 327164 h 327164"/>
-              <a:gd name="connsiteX6" fmla="*/ 787067 w 1230756"/>
-              <a:gd name="connsiteY6" fmla="*/ 327164 h 327164"/>
-              <a:gd name="connsiteX7" fmla="*/ 787067 w 1230756"/>
-              <a:gd name="connsiteY7" fmla="*/ 327163 h 327164"/>
-              <a:gd name="connsiteX8" fmla="*/ 0 w 1230756"/>
-              <a:gd name="connsiteY8" fmla="*/ 327163 h 327164"/>
-            </a:gdLst>
-            <a:ahLst/>
-            <a:cxnLst>
-              <a:cxn ang="0">
-                <a:pos x="connsiteX0" y="connsiteY0"/>
-              </a:cxn>
-              <a:cxn ang="0">
-                <a:pos x="connsiteX1" y="connsiteY1"/>
-              </a:cxn>
-              <a:cxn ang="0">
-                <a:pos x="connsiteX2" y="connsiteY2"/>
-              </a:cxn>
-              <a:cxn ang="0">
-                <a:pos x="connsiteX3" y="connsiteY3"/>
-              </a:cxn>
-              <a:cxn ang="0">
-                <a:pos x="connsiteX4" y="connsiteY4"/>
-              </a:cxn>
-              <a:cxn ang="0">
-                <a:pos x="connsiteX5" y="connsiteY5"/>
-              </a:cxn>
-              <a:cxn ang="0">
-                <a:pos x="connsiteX6" y="connsiteY6"/>
-              </a:cxn>
-              <a:cxn ang="0">
-                <a:pos x="connsiteX7" y="connsiteY7"/>
-              </a:cxn>
-              <a:cxn ang="0">
-                <a:pos x="connsiteX8" y="connsiteY8"/>
-              </a:cxn>
-            </a:cxnLst>
-            <a:rect l="l" t="t" r="r" b="b"/>
-            <a:pathLst>
-              <a:path w="1230756" h="327164">
-                <a:moveTo>
-                  <a:pt x="0" y="0"/>
-                </a:moveTo>
-                <a:lnTo>
-                  <a:pt x="883253" y="0"/>
-                </a:lnTo>
-                <a:lnTo>
-                  <a:pt x="883253" y="1"/>
-                </a:lnTo>
-                <a:lnTo>
-                  <a:pt x="1230756" y="1"/>
-                </a:lnTo>
-                <a:lnTo>
-                  <a:pt x="1067175" y="163583"/>
-                </a:lnTo>
-                <a:lnTo>
-                  <a:pt x="1230756" y="327164"/>
-                </a:lnTo>
-                <a:lnTo>
-                  <a:pt x="787067" y="327164"/>
-                </a:lnTo>
-                <a:lnTo>
-                  <a:pt x="787067" y="327163"/>
-                </a:lnTo>
-                <a:lnTo>
-                  <a:pt x="0" y="327163"/>
-                </a:lnTo>
-                <a:close/>
-              </a:path>
-            </a:pathLst>
-          </a:custGeom>
-          <a:solidFill>
-            <a:srgbClr val="A14F4C"/>
-          </a:solidFill>
-          <a:ln>
-            <a:noFill/>
-          </a:ln>
-          <a:effectLst/>
-        </p:spPr>
-        <p:style>
-          <a:lnRef idx="2">
-            <a:schemeClr val="accent1">
-              <a:shade val="50000"/>
-            </a:schemeClr>
-          </a:lnRef>
-          <a:fillRef idx="1">
-            <a:schemeClr val="accent1"/>
-          </a:fillRef>
-          <a:effectRef idx="0">
-            <a:schemeClr val="accent1"/>
-          </a:effectRef>
-          <a:fontRef idx="minor">
-            <a:schemeClr val="lt1"/>
-          </a:fontRef>
-        </p:style>
-        <p:txBody>
-          <a:bodyPr rtlCol="0" anchor="ctr"/>
-          <a:lstStyle/>
-          <a:p>
-            <a:pPr algn="ctr"/>
-            <a:endParaRPr kumimoji="1" lang="zh-CN" altLang="en-US"/>
-          </a:p>
-        </p:txBody>
-      </p:sp>
-      <p:sp>
-        <p:nvSpPr>
-          <p:cNvPr id="4" name="矩形 3">
-            <a:extLst>
-              <a:ext uri="{FF2B5EF4-FFF2-40B4-BE49-F238E27FC236}">
-                <a16:creationId xmlns:a16="http://schemas.microsoft.com/office/drawing/2014/main" id="{5F67A7B4-7161-44C1-AD1B-6288345DB198}"/>
-              </a:ext>
-            </a:extLst>
-          </p:cNvPr>
-          <p:cNvSpPr/>
-          <p:nvPr/>
-        </p:nvSpPr>
-        <p:spPr>
-          <a:xfrm>
-            <a:off x="4206874" y="5063626"/>
-            <a:ext cx="6096455" cy="1160831"/>
-          </a:xfrm>
-          <a:prstGeom prst="rect">
-            <a:avLst/>
-          </a:prstGeom>
-        </p:spPr>
-        <p:txBody>
-          <a:bodyPr wrap="square">
-            <a:spAutoFit/>
-          </a:bodyPr>
-          <a:lstStyle/>
-          <a:p>
-            <a:pPr>
-              <a:lnSpc>
-                <a:spcPct val="150000"/>
-              </a:lnSpc>
-            </a:pPr>
-            <a:r>
-              <a:rPr lang="zh-CN" altLang="en-US" sz="1600" dirty="0">
-                <a:solidFill>
-                  <a:schemeClr val="tx1">
-                    <a:lumMod val="85000"/>
-                    <a:lumOff val="15000"/>
-                  </a:schemeClr>
-                </a:solidFill>
-                <a:latin typeface="Century Gothic" panose="020B0502020202020204" pitchFamily="34" charset="0"/>
-                <a:cs typeface="+mn-ea"/>
-                <a:sym typeface="+mn-lt"/>
-              </a:rPr>
-              <a:t>条件：玩累了吗？觉得有趣吗？有不同选择，将各种选择的结果综合起来可以得出不同的结论，接着执行不同的动作。比如选择“玩累了”和“觉得没趣”，就可以执行“休息”的动作。</a:t>
-            </a:r>
-            <a:endParaRPr lang="en-US" altLang="zh-CN" sz="1600" dirty="0">
-              <a:solidFill>
-                <a:schemeClr val="tx1">
-                  <a:lumMod val="85000"/>
-                  <a:lumOff val="15000"/>
-                </a:schemeClr>
-              </a:solidFill>
-              <a:latin typeface="Century Gothic" panose="020B0502020202020204" pitchFamily="34" charset="0"/>
-              <a:cs typeface="+mn-ea"/>
-              <a:sym typeface="+mn-lt"/>
-            </a:endParaRPr>
-          </a:p>
-        </p:txBody>
-      </p:sp>
-      <p:pic>
-        <p:nvPicPr>
-          <p:cNvPr id="2" name="图片 1">
-            <a:extLst>
-              <a:ext uri="{FF2B5EF4-FFF2-40B4-BE49-F238E27FC236}">
-                <a16:creationId xmlns:a16="http://schemas.microsoft.com/office/drawing/2014/main" id="{E31F285F-48D6-45F5-9659-5EB2D0CF2B58}"/>
-              </a:ext>
-            </a:extLst>
-          </p:cNvPr>
-          <p:cNvPicPr>
-            <a:picLocks noChangeAspect="1"/>
-          </p:cNvPicPr>
-          <p:nvPr/>
-        </p:nvPicPr>
-        <p:blipFill>
-          <a:blip r:embed="rId2"/>
-          <a:stretch>
-            <a:fillRect/>
-          </a:stretch>
-        </p:blipFill>
-        <p:spPr>
-          <a:xfrm>
-            <a:off x="3568635" y="762746"/>
-            <a:ext cx="6448425" cy="3943350"/>
-          </a:xfrm>
-          <a:prstGeom prst="rect">
-            <a:avLst/>
-          </a:prstGeom>
-        </p:spPr>
-      </p:pic>
-      <p:sp>
-        <p:nvSpPr>
-          <p:cNvPr id="6" name="文本框 5">
-            <a:extLst>
-              <a:ext uri="{FF2B5EF4-FFF2-40B4-BE49-F238E27FC236}">
-                <a16:creationId xmlns:a16="http://schemas.microsoft.com/office/drawing/2014/main" id="{58732331-2513-408B-AF76-231566103B41}"/>
-              </a:ext>
-            </a:extLst>
-          </p:cNvPr>
-          <p:cNvSpPr txBox="1"/>
-          <p:nvPr/>
-        </p:nvSpPr>
-        <p:spPr>
-          <a:xfrm>
-            <a:off x="1588593" y="177971"/>
-            <a:ext cx="1535997" cy="584775"/>
-          </a:xfrm>
-          <a:prstGeom prst="rect">
-            <a:avLst/>
-          </a:prstGeom>
-          <a:noFill/>
-        </p:spPr>
-        <p:txBody>
-          <a:bodyPr wrap="none" rtlCol="0">
-            <a:spAutoFit/>
-          </a:bodyPr>
-          <a:lstStyle/>
-          <a:p>
-            <a:pPr algn="ctr"/>
-            <a:r>
-              <a:rPr lang="zh-CN" altLang="en-US" sz="3200" b="1" spc="300" dirty="0">
-                <a:solidFill>
-                  <a:schemeClr val="tx1">
-                    <a:lumMod val="95000"/>
-                    <a:lumOff val="5000"/>
-                  </a:schemeClr>
-                </a:solidFill>
-                <a:latin typeface="幼圆" panose="02010509060101010101" pitchFamily="49" charset="-122"/>
-                <a:ea typeface="幼圆" panose="02010509060101010101" pitchFamily="49" charset="-122"/>
-              </a:rPr>
-              <a:t>判定表</a:t>
-            </a:r>
-          </a:p>
-        </p:txBody>
-      </p:sp>
-    </p:spTree>
-    <p:extLst>
-      <p:ext uri="{BB962C8B-B14F-4D97-AF65-F5344CB8AC3E}">
-        <p14:creationId xmlns:p14="http://schemas.microsoft.com/office/powerpoint/2010/main" val="2085701829"/>
-      </p:ext>
-    </p:extLst>
-  </p:cSld>
-  <p:clrMapOvr>
-    <a:masterClrMapping/>
-  </p:clrMapOvr>
-  <mc:AlternateContent xmlns:mc="http://schemas.openxmlformats.org/markup-compatibility/2006" xmlns:p14="http://schemas.microsoft.com/office/powerpoint/2010/main">
-    <mc:Choice Requires="p14">
-      <p:transition spd="slow" p14:dur="1500">
-        <p:random/>
-      </p:transition>
-    </mc:Choice>
-    <mc:Fallback xmlns="">
-      <p:transition spd="slow">
-        <p:random/>
-      </p:transition>
-    </mc:Fallback>
-  </mc:AlternateContent>
-  <p:timing>
-    <p:tnLst>
-      <p:par>
-        <p:cTn id="1" dur="indefinite" restart="never" nodeType="tmRoot">
-          <p:childTnLst>
-            <p:seq concurrent="1" nextAc="seek">
-              <p:cTn id="2" dur="indefinite" nodeType="mainSeq">
-                <p:childTnLst>
-                  <p:par>
-                    <p:cTn id="3" fill="hold">
-                      <p:stCondLst>
-                        <p:cond delay="indefinite"/>
-                      </p:stCondLst>
-                      <p:childTnLst>
-                        <p:par>
-                          <p:cTn id="4" fill="hold">
-                            <p:stCondLst>
-                              <p:cond delay="0"/>
-                            </p:stCondLst>
-                            <p:childTnLst>
-                              <p:par>
-                                <p:cTn id="5" presetID="42" presetClass="entr" presetSubtype="0" fill="hold" grpId="0" nodeType="clickEffect">
-                                  <p:stCondLst>
-                                    <p:cond delay="0"/>
-                                  </p:stCondLst>
-                                  <p:childTnLst>
-                                    <p:set>
-                                      <p:cBhvr>
-                                        <p:cTn id="6" dur="1" fill="hold">
-                                          <p:stCondLst>
-                                            <p:cond delay="0"/>
-                                          </p:stCondLst>
-                                        </p:cTn>
-                                        <p:tgtEl>
-                                          <p:spTgt spid="6"/>
-                                        </p:tgtEl>
-                                        <p:attrNameLst>
-                                          <p:attrName>style.visibility</p:attrName>
-                                        </p:attrNameLst>
-                                      </p:cBhvr>
-                                      <p:to>
-                                        <p:strVal val="visible"/>
-                                      </p:to>
-                                    </p:set>
-                                    <p:animEffect transition="in" filter="fade">
-                                      <p:cBhvr>
-                                        <p:cTn id="7" dur="1000"/>
-                                        <p:tgtEl>
-                                          <p:spTgt spid="6"/>
-                                        </p:tgtEl>
-                                      </p:cBhvr>
-                                    </p:animEffect>
-                                    <p:anim calcmode="lin" valueType="num">
-                                      <p:cBhvr>
-                                        <p:cTn id="8" dur="1000" fill="hold"/>
-                                        <p:tgtEl>
-                                          <p:spTgt spid="6"/>
-                                        </p:tgtEl>
-                                        <p:attrNameLst>
-                                          <p:attrName>ppt_x</p:attrName>
-                                        </p:attrNameLst>
-                                      </p:cBhvr>
-                                      <p:tavLst>
-                                        <p:tav tm="0">
-                                          <p:val>
-                                            <p:strVal val="#ppt_x"/>
-                                          </p:val>
-                                        </p:tav>
-                                        <p:tav tm="100000">
-                                          <p:val>
-                                            <p:strVal val="#ppt_x"/>
-                                          </p:val>
-                                        </p:tav>
-                                      </p:tavLst>
-                                    </p:anim>
-                                    <p:anim calcmode="lin" valueType="num">
-                                      <p:cBhvr>
-                                        <p:cTn id="9" dur="1000" fill="hold"/>
-                                        <p:tgtEl>
-                                          <p:spTgt spid="6"/>
-                                        </p:tgtEl>
-                                        <p:attrNameLst>
-                                          <p:attrName>ppt_y</p:attrName>
-                                        </p:attrNameLst>
-                                      </p:cBhvr>
-                                      <p:tavLst>
-                                        <p:tav tm="0">
-                                          <p:val>
-                                            <p:strVal val="#ppt_y+.1"/>
-                                          </p:val>
-                                        </p:tav>
-                                        <p:tav tm="100000">
-                                          <p:val>
-                                            <p:strVal val="#ppt_y"/>
-                                          </p:val>
-                                        </p:tav>
-                                      </p:tavLst>
-                                    </p:anim>
-                                  </p:childTnLst>
-                                </p:cTn>
-                              </p:par>
-                              <p:par>
-                                <p:cTn id="10" presetID="42" presetClass="entr" presetSubtype="0" fill="hold" nodeType="withEffect">
-                                  <p:stCondLst>
-                                    <p:cond delay="0"/>
-                                  </p:stCondLst>
-                                  <p:childTnLst>
-                                    <p:set>
-                                      <p:cBhvr>
-                                        <p:cTn id="11" dur="1" fill="hold">
-                                          <p:stCondLst>
-                                            <p:cond delay="0"/>
-                                          </p:stCondLst>
-                                        </p:cTn>
-                                        <p:tgtEl>
-                                          <p:spTgt spid="2"/>
-                                        </p:tgtEl>
-                                        <p:attrNameLst>
-                                          <p:attrName>style.visibility</p:attrName>
-                                        </p:attrNameLst>
-                                      </p:cBhvr>
-                                      <p:to>
-                                        <p:strVal val="visible"/>
-                                      </p:to>
-                                    </p:set>
-                                    <p:animEffect transition="in" filter="fade">
-                                      <p:cBhvr>
-                                        <p:cTn id="12" dur="1000"/>
-                                        <p:tgtEl>
-                                          <p:spTgt spid="2"/>
-                                        </p:tgtEl>
-                                      </p:cBhvr>
-                                    </p:animEffect>
-                                    <p:anim calcmode="lin" valueType="num">
-                                      <p:cBhvr>
-                                        <p:cTn id="13" dur="1000" fill="hold"/>
-                                        <p:tgtEl>
-                                          <p:spTgt spid="2"/>
-                                        </p:tgtEl>
-                                        <p:attrNameLst>
-                                          <p:attrName>ppt_x</p:attrName>
-                                        </p:attrNameLst>
-                                      </p:cBhvr>
-                                      <p:tavLst>
-                                        <p:tav tm="0">
-                                          <p:val>
-                                            <p:strVal val="#ppt_x"/>
-                                          </p:val>
-                                        </p:tav>
-                                        <p:tav tm="100000">
-                                          <p:val>
-                                            <p:strVal val="#ppt_x"/>
-                                          </p:val>
-                                        </p:tav>
-                                      </p:tavLst>
-                                    </p:anim>
-                                    <p:anim calcmode="lin" valueType="num">
-                                      <p:cBhvr>
-                                        <p:cTn id="14" dur="1000" fill="hold"/>
-                                        <p:tgtEl>
-                                          <p:spTgt spid="2"/>
-                                        </p:tgtEl>
-                                        <p:attrNameLst>
-                                          <p:attrName>ppt_y</p:attrName>
-                                        </p:attrNameLst>
-                                      </p:cBhvr>
-                                      <p:tavLst>
-                                        <p:tav tm="0">
-                                          <p:val>
-                                            <p:strVal val="#ppt_y+.1"/>
-                                          </p:val>
-                                        </p:tav>
-                                        <p:tav tm="100000">
-                                          <p:val>
-                                            <p:strVal val="#ppt_y"/>
-                                          </p:val>
-                                        </p:tav>
-                                      </p:tavLst>
-                                    </p:anim>
-                                  </p:childTnLst>
-                                </p:cTn>
-                              </p:par>
-                            </p:childTnLst>
-                          </p:cTn>
-                        </p:par>
-                      </p:childTnLst>
-                    </p:cTn>
-                  </p:par>
-                  <p:par>
-                    <p:cTn id="15" fill="hold">
-                      <p:stCondLst>
-                        <p:cond delay="indefinite"/>
-                      </p:stCondLst>
-                      <p:childTnLst>
-                        <p:par>
-                          <p:cTn id="16" fill="hold">
-                            <p:stCondLst>
-                              <p:cond delay="0"/>
-                            </p:stCondLst>
-                            <p:childTnLst>
-                              <p:par>
-                                <p:cTn id="17" presetID="42" presetClass="entr" presetSubtype="0" fill="hold" grpId="0" nodeType="clickEffect">
-                                  <p:stCondLst>
-                                    <p:cond delay="0"/>
-                                  </p:stCondLst>
-                                  <p:childTnLst>
-                                    <p:set>
-                                      <p:cBhvr>
-                                        <p:cTn id="18" dur="1" fill="hold">
-                                          <p:stCondLst>
-                                            <p:cond delay="0"/>
-                                          </p:stCondLst>
-                                        </p:cTn>
-                                        <p:tgtEl>
-                                          <p:spTgt spid="4"/>
-                                        </p:tgtEl>
-                                        <p:attrNameLst>
-                                          <p:attrName>style.visibility</p:attrName>
-                                        </p:attrNameLst>
-                                      </p:cBhvr>
-                                      <p:to>
-                                        <p:strVal val="visible"/>
-                                      </p:to>
-                                    </p:set>
-                                    <p:animEffect transition="in" filter="fade">
-                                      <p:cBhvr>
-                                        <p:cTn id="19" dur="1000"/>
-                                        <p:tgtEl>
-                                          <p:spTgt spid="4"/>
-                                        </p:tgtEl>
-                                      </p:cBhvr>
-                                    </p:animEffect>
-                                    <p:anim calcmode="lin" valueType="num">
-                                      <p:cBhvr>
-                                        <p:cTn id="20" dur="1000" fill="hold"/>
-                                        <p:tgtEl>
-                                          <p:spTgt spid="4"/>
-                                        </p:tgtEl>
-                                        <p:attrNameLst>
-                                          <p:attrName>ppt_x</p:attrName>
-                                        </p:attrNameLst>
-                                      </p:cBhvr>
-                                      <p:tavLst>
-                                        <p:tav tm="0">
-                                          <p:val>
-                                            <p:strVal val="#ppt_x"/>
-                                          </p:val>
-                                        </p:tav>
-                                        <p:tav tm="100000">
-                                          <p:val>
-                                            <p:strVal val="#ppt_x"/>
-                                          </p:val>
-                                        </p:tav>
-                                      </p:tavLst>
-                                    </p:anim>
-                                    <p:anim calcmode="lin" valueType="num">
-                                      <p:cBhvr>
-                                        <p:cTn id="21" dur="1000" fill="hold"/>
-                                        <p:tgtEl>
-                                          <p:spTgt spid="4"/>
-                                        </p:tgtEl>
-                                        <p:attrNameLst>
-                                          <p:attrName>ppt_y</p:attrName>
-                                        </p:attrNameLst>
-                                      </p:cBhvr>
-                                      <p:tavLst>
-                                        <p:tav tm="0">
-                                          <p:val>
-                                            <p:strVal val="#ppt_y+.1"/>
-                                          </p:val>
-                                        </p:tav>
-                                        <p:tav tm="100000">
-                                          <p:val>
-                                            <p:strVal val="#ppt_y"/>
-                                          </p:val>
-                                        </p:tav>
-                                      </p:tavLst>
-                                    </p:anim>
-                                  </p:childTnLst>
-                                </p:cTn>
-                              </p:par>
-                            </p:childTnLst>
-                          </p:cTn>
-                        </p:par>
-                      </p:childTnLst>
-                    </p:cTn>
-                  </p:par>
-                </p:childTnLst>
-              </p:cTn>
-              <p:prevCondLst>
-                <p:cond evt="onPrev" delay="0">
-                  <p:tgtEl>
-                    <p:sldTgt/>
-                  </p:tgtEl>
-                </p:cond>
-              </p:prevCondLst>
-              <p:nextCondLst>
-                <p:cond evt="onNext" delay="0">
-                  <p:tgtEl>
-                    <p:sldTgt/>
-                  </p:tgtEl>
-                </p:cond>
-              </p:nextCondLst>
-            </p:seq>
-          </p:childTnLst>
-        </p:cTn>
-      </p:par>
-    </p:tnLst>
-    <p:bldLst>
-      <p:bldP spid="4" grpId="0"/>
-      <p:bldP spid="6" grpId="0"/>
     </p:bldLst>
   </p:timing>
 </p:sld>
@@ -17380,10 +16815,10 @@
       </p:sp>
       <p:pic>
         <p:nvPicPr>
-          <p:cNvPr id="7" name="图片 6">
+          <p:cNvPr id="4" name="图片 3">
             <a:extLst>
               <a:ext uri="{FF2B5EF4-FFF2-40B4-BE49-F238E27FC236}">
-                <a16:creationId xmlns:a16="http://schemas.microsoft.com/office/drawing/2014/main" id="{85B6AD24-1BC3-4899-900D-A4B8C1FDB320}"/>
+                <a16:creationId xmlns:a16="http://schemas.microsoft.com/office/drawing/2014/main" id="{D44F2F2E-0665-4EF1-B61B-E65400D46729}"/>
               </a:ext>
             </a:extLst>
           </p:cNvPr>
@@ -17406,8 +16841,8 @@
         </p:blipFill>
         <p:spPr>
           <a:xfrm>
-            <a:off x="3320220" y="1212946"/>
-            <a:ext cx="8256402" cy="3021523"/>
+            <a:off x="4092546" y="162200"/>
+            <a:ext cx="7266880" cy="6533600"/>
           </a:xfrm>
           <a:prstGeom prst="rect">
             <a:avLst/>
@@ -17508,79 +16943,6 @@
                                         <p:cTn id="8" dur="500" fill="hold"/>
                                         <p:tgtEl>
                                           <p:spTgt spid="6"/>
-                                        </p:tgtEl>
-                                        <p:attrNameLst>
-                                          <p:attrName>ppt_y</p:attrName>
-                                        </p:attrNameLst>
-                                      </p:cBhvr>
-                                      <p:tavLst>
-                                        <p:tav tm="0">
-                                          <p:val>
-                                            <p:strVal val="1+#ppt_h/2"/>
-                                          </p:val>
-                                        </p:tav>
-                                        <p:tav tm="100000">
-                                          <p:val>
-                                            <p:strVal val="#ppt_y"/>
-                                          </p:val>
-                                        </p:tav>
-                                      </p:tavLst>
-                                    </p:anim>
-                                  </p:childTnLst>
-                                </p:cTn>
-                              </p:par>
-                              <p:par>
-                                <p:cTn id="9" presetID="2" presetClass="entr" presetSubtype="4" fill="hold" nodeType="withEffect">
-                                  <p:stCondLst>
-                                    <p:cond delay="0"/>
-                                  </p:stCondLst>
-                                  <p:childTnLst>
-                                    <p:set>
-                                      <p:cBhvr>
-                                        <p:cTn id="10" dur="1" fill="hold">
-                                          <p:stCondLst>
-                                            <p:cond delay="0"/>
-                                          </p:stCondLst>
-                                        </p:cTn>
-                                        <p:tgtEl>
-                                          <p:spTgt spid="7"/>
-                                        </p:tgtEl>
-                                        <p:attrNameLst>
-                                          <p:attrName>style.visibility</p:attrName>
-                                        </p:attrNameLst>
-                                      </p:cBhvr>
-                                      <p:to>
-                                        <p:strVal val="visible"/>
-                                      </p:to>
-                                    </p:set>
-                                    <p:anim calcmode="lin" valueType="num">
-                                      <p:cBhvr additive="base">
-                                        <p:cTn id="11" dur="500" fill="hold"/>
-                                        <p:tgtEl>
-                                          <p:spTgt spid="7"/>
-                                        </p:tgtEl>
-                                        <p:attrNameLst>
-                                          <p:attrName>ppt_x</p:attrName>
-                                        </p:attrNameLst>
-                                      </p:cBhvr>
-                                      <p:tavLst>
-                                        <p:tav tm="0">
-                                          <p:val>
-                                            <p:strVal val="#ppt_x"/>
-                                          </p:val>
-                                        </p:tav>
-                                        <p:tav tm="100000">
-                                          <p:val>
-                                            <p:strVal val="#ppt_x"/>
-                                          </p:val>
-                                        </p:tav>
-                                      </p:tavLst>
-                                    </p:anim>
-                                    <p:anim calcmode="lin" valueType="num">
-                                      <p:cBhvr additive="base">
-                                        <p:cTn id="12" dur="500" fill="hold"/>
-                                        <p:tgtEl>
-                                          <p:spTgt spid="7"/>
                                         </p:tgtEl>
                                         <p:attrNameLst>
                                           <p:attrName>ppt_y</p:attrName>
